--- a/2018/Hacktoberfest 2018 - Agenda.pptx
+++ b/2018/Hacktoberfest 2018 - Agenda.pptx
@@ -5,22 +5,23 @@
     <p:sldMasterId id="2147483671" r:id="rId1"/>
   </p:sldMasterIdLst>
   <p:notesMasterIdLst>
-    <p:notesMasterId r:id="rId12"/>
+    <p:notesMasterId r:id="rId13"/>
   </p:notesMasterIdLst>
   <p:handoutMasterIdLst>
-    <p:handoutMasterId r:id="rId13"/>
+    <p:handoutMasterId r:id="rId14"/>
   </p:handoutMasterIdLst>
   <p:sldIdLst>
     <p:sldId id="367" r:id="rId2"/>
     <p:sldId id="258" r:id="rId3"/>
     <p:sldId id="280" r:id="rId4"/>
-    <p:sldId id="369" r:id="rId5"/>
-    <p:sldId id="263" r:id="rId6"/>
-    <p:sldId id="264" r:id="rId7"/>
-    <p:sldId id="368" r:id="rId8"/>
-    <p:sldId id="257" r:id="rId9"/>
-    <p:sldId id="330" r:id="rId10"/>
-    <p:sldId id="356" r:id="rId11"/>
+    <p:sldId id="370" r:id="rId5"/>
+    <p:sldId id="369" r:id="rId6"/>
+    <p:sldId id="263" r:id="rId7"/>
+    <p:sldId id="264" r:id="rId8"/>
+    <p:sldId id="368" r:id="rId9"/>
+    <p:sldId id="257" r:id="rId10"/>
+    <p:sldId id="330" r:id="rId11"/>
+    <p:sldId id="356" r:id="rId12"/>
   </p:sldIdLst>
   <p:sldSz cx="12192000" cy="6858000"/>
   <p:notesSz cx="9388475" cy="7102475"/>
@@ -127,6 +128,7 @@
             <p14:sldId id="367"/>
             <p14:sldId id="258"/>
             <p14:sldId id="280"/>
+            <p14:sldId id="370"/>
             <p14:sldId id="369"/>
             <p14:sldId id="263"/>
             <p14:sldId id="264"/>
@@ -924,7 +926,7 @@
           <a:p>
             <a:fld id="{4CBCEA92-F142-4D57-B507-37BDAF44710C}" type="slidenum">
               <a:rPr lang="en-US" smtClean="0"/>
-              <a:t>9</a:t>
+              <a:t>10</a:t>
             </a:fld>
             <a:endParaRPr lang="en-US"/>
           </a:p>
@@ -1008,7 +1010,7 @@
           <a:p>
             <a:fld id="{4CBCEA92-F142-4D57-B507-37BDAF44710C}" type="slidenum">
               <a:rPr lang="en-US" smtClean="0"/>
-              <a:t>10</a:t>
+              <a:t>11</a:t>
             </a:fld>
             <a:endParaRPr lang="en-US"/>
           </a:p>
@@ -2767,6 +2769,185 @@
 </file>
 
 <file path=ppt/slides/slide10.xml><?xml version="1.0" encoding="utf-8"?>
+<p:sld xmlns:a="http://schemas.openxmlformats.org/drawingml/2006/main" xmlns:r="http://schemas.openxmlformats.org/officeDocument/2006/relationships" xmlns:p="http://schemas.openxmlformats.org/presentationml/2006/main">
+  <p:cSld>
+    <p:bg>
+      <p:bgPr>
+        <a:solidFill>
+          <a:srgbClr val="A63636"/>
+        </a:solidFill>
+        <a:effectLst/>
+      </p:bgPr>
+    </p:bg>
+    <p:spTree>
+      <p:nvGrpSpPr>
+        <p:cNvPr id="1" name=""/>
+        <p:cNvGrpSpPr/>
+        <p:nvPr/>
+      </p:nvGrpSpPr>
+      <p:grpSpPr>
+        <a:xfrm>
+          <a:off x="0" y="0"/>
+          <a:ext cx="0" cy="0"/>
+          <a:chOff x="0" y="0"/>
+          <a:chExt cx="0" cy="0"/>
+        </a:xfrm>
+      </p:grpSpPr>
+      <p:sp>
+        <p:nvSpPr>
+          <p:cNvPr id="2" name="TextBox 1">
+            <a:extLst>
+              <a:ext uri="{FF2B5EF4-FFF2-40B4-BE49-F238E27FC236}">
+                <a16:creationId xmlns:a16="http://schemas.microsoft.com/office/drawing/2014/main" id="{6BD59475-CD66-4751-83EF-FEC02A44E31A}"/>
+              </a:ext>
+            </a:extLst>
+          </p:cNvPr>
+          <p:cNvSpPr txBox="1"/>
+          <p:nvPr/>
+        </p:nvSpPr>
+        <p:spPr>
+          <a:xfrm>
+            <a:off x="360727" y="2190161"/>
+            <a:ext cx="5100505" cy="720197"/>
+          </a:xfrm>
+          <a:prstGeom prst="rect">
+            <a:avLst/>
+          </a:prstGeom>
+          <a:noFill/>
+        </p:spPr>
+        <p:txBody>
+          <a:bodyPr wrap="square" rtlCol="0">
+            <a:spAutoFit/>
+          </a:bodyPr>
+          <a:lstStyle/>
+          <a:p>
+            <a:pPr marL="0" marR="0" lvl="0" indent="0" defTabSz="914400" rtl="0" eaLnBrk="1" fontAlgn="auto" latinLnBrk="0" hangingPunct="1">
+              <a:lnSpc>
+                <a:spcPct val="85000"/>
+              </a:lnSpc>
+              <a:spcBef>
+                <a:spcPts val="0"/>
+              </a:spcBef>
+              <a:spcAft>
+                <a:spcPts val="0"/>
+              </a:spcAft>
+              <a:buClrTx/>
+              <a:buSzTx/>
+              <a:buFontTx/>
+              <a:buNone/>
+              <a:tabLst/>
+              <a:defRPr/>
+            </a:pPr>
+            <a:r>
+              <a:rPr kumimoji="0" lang="en-US" sz="4800" b="1" i="0" u="none" strike="noStrike" kern="1200" cap="none" spc="-20" normalizeH="0" baseline="0" noProof="0" dirty="0">
+                <a:ln>
+                  <a:noFill/>
+                </a:ln>
+                <a:solidFill>
+                  <a:srgbClr val="FFFFFF"/>
+                </a:solidFill>
+                <a:effectLst/>
+                <a:uLnTx/>
+                <a:uFillTx/>
+                <a:latin typeface="Segoe UI"/>
+                <a:ea typeface="+mn-ea"/>
+                <a:cs typeface="+mn-cs"/>
+              </a:rPr>
+              <a:t>QUESTIONS?</a:t>
+            </a:r>
+          </a:p>
+        </p:txBody>
+      </p:sp>
+      <p:pic>
+        <p:nvPicPr>
+          <p:cNvPr id="7" name="Picture 6">
+            <a:extLst>
+              <a:ext uri="{FF2B5EF4-FFF2-40B4-BE49-F238E27FC236}">
+                <a16:creationId xmlns:a16="http://schemas.microsoft.com/office/drawing/2014/main" id="{3B5E1C9A-F61D-442E-A92D-9BC7346A8839}"/>
+              </a:ext>
+            </a:extLst>
+          </p:cNvPr>
+          <p:cNvPicPr>
+            <a:picLocks noChangeAspect="1"/>
+          </p:cNvPicPr>
+          <p:nvPr/>
+        </p:nvPicPr>
+        <p:blipFill>
+          <a:blip r:embed="rId3"/>
+          <a:stretch>
+            <a:fillRect/>
+          </a:stretch>
+        </p:blipFill>
+        <p:spPr>
+          <a:xfrm>
+            <a:off x="0" y="0"/>
+            <a:ext cx="12192000" cy="4378303"/>
+          </a:xfrm>
+          <a:prstGeom prst="rect">
+            <a:avLst/>
+          </a:prstGeom>
+        </p:spPr>
+      </p:pic>
+      <p:sp>
+        <p:nvSpPr>
+          <p:cNvPr id="3" name="TextBox 2">
+            <a:extLst>
+              <a:ext uri="{FF2B5EF4-FFF2-40B4-BE49-F238E27FC236}">
+                <a16:creationId xmlns:a16="http://schemas.microsoft.com/office/drawing/2014/main" id="{9898F32A-BF47-405A-8280-602393098AEB}"/>
+              </a:ext>
+            </a:extLst>
+          </p:cNvPr>
+          <p:cNvSpPr txBox="1"/>
+          <p:nvPr/>
+        </p:nvSpPr>
+        <p:spPr>
+          <a:xfrm>
+            <a:off x="0" y="4766310"/>
+            <a:ext cx="12192000" cy="830997"/>
+          </a:xfrm>
+          <a:prstGeom prst="rect">
+            <a:avLst/>
+          </a:prstGeom>
+          <a:noFill/>
+        </p:spPr>
+        <p:txBody>
+          <a:bodyPr wrap="square" rtlCol="0">
+            <a:spAutoFit/>
+          </a:bodyPr>
+          <a:lstStyle/>
+          <a:p>
+            <a:pPr algn="ctr"/>
+            <a:r>
+              <a:rPr lang="en-GB" sz="4800" dirty="0">
+                <a:latin typeface="Montserrat" panose="02000505000000020004" pitchFamily="2" charset="0"/>
+              </a:rPr>
+              <a:t>https://24pullrequests.com/</a:t>
+            </a:r>
+          </a:p>
+        </p:txBody>
+      </p:sp>
+    </p:spTree>
+    <p:extLst>
+      <p:ext uri="{BB962C8B-B14F-4D97-AF65-F5344CB8AC3E}">
+        <p14:creationId xmlns:p14="http://schemas.microsoft.com/office/powerpoint/2010/main" val="185113828"/>
+      </p:ext>
+    </p:extLst>
+  </p:cSld>
+  <p:clrMapOvr>
+    <a:masterClrMapping/>
+  </p:clrMapOvr>
+  <mc:AlternateContent xmlns:mc="http://schemas.openxmlformats.org/markup-compatibility/2006" xmlns:p14="http://schemas.microsoft.com/office/powerpoint/2010/main">
+    <mc:Choice Requires="p14">
+      <p:transition p14:dur="0"/>
+    </mc:Choice>
+    <mc:Fallback xmlns="">
+      <p:transition/>
+    </mc:Fallback>
+  </mc:AlternateContent>
+</p:sld>
+</file>
+
+<file path=ppt/slides/slide11.xml><?xml version="1.0" encoding="utf-8"?>
 <p:sld xmlns:a="http://schemas.openxmlformats.org/drawingml/2006/main" xmlns:r="http://schemas.openxmlformats.org/officeDocument/2006/relationships" xmlns:p="http://schemas.openxmlformats.org/presentationml/2006/main" showMasterSp="0">
   <p:cSld>
     <p:bg>
@@ -5312,7 +5493,7 @@
                 </a:solidFill>
                 <a:latin typeface="Montserrat" panose="02000505000000020004" pitchFamily="2" charset="0"/>
               </a:rPr>
-              <a:t>CODE OF CONDUCT</a:t>
+              <a:t>SKYPE CHANNEL</a:t>
             </a:r>
           </a:p>
         </p:txBody>
@@ -5331,8 +5512,229 @@
         </p:nvSpPr>
         <p:spPr>
           <a:xfrm>
+            <a:off x="268942" y="2783377"/>
+            <a:ext cx="11980332" cy="722377"/>
+          </a:xfrm>
+          <a:prstGeom prst="rect">
+            <a:avLst/>
+          </a:prstGeom>
+          <a:noFill/>
+        </p:spPr>
+        <p:txBody>
+          <a:bodyPr wrap="square" rtlCol="0">
+            <a:spAutoFit/>
+          </a:bodyPr>
+          <a:lstStyle/>
+          <a:p>
+            <a:pPr>
+              <a:lnSpc>
+                <a:spcPct val="200000"/>
+              </a:lnSpc>
+            </a:pPr>
+            <a:r>
+              <a:rPr lang="en-GB" sz="2400" dirty="0">
+                <a:solidFill>
+                  <a:srgbClr val="FFFF00"/>
+                </a:solidFill>
+                <a:latin typeface="Montserrat"/>
+              </a:rPr>
+              <a:t>https://meet.lync.com/incrementalgroup.co.uk/craig.porteous/5K0H237G</a:t>
+            </a:r>
+          </a:p>
+        </p:txBody>
+      </p:sp>
+    </p:spTree>
+    <p:extLst>
+      <p:ext uri="{BB962C8B-B14F-4D97-AF65-F5344CB8AC3E}">
+        <p14:creationId xmlns:p14="http://schemas.microsoft.com/office/powerpoint/2010/main" val="1728517944"/>
+      </p:ext>
+    </p:extLst>
+  </p:cSld>
+  <p:clrMapOvr>
+    <a:masterClrMapping/>
+  </p:clrMapOvr>
+  <mc:AlternateContent xmlns:mc="http://schemas.openxmlformats.org/markup-compatibility/2006" xmlns:p14="http://schemas.microsoft.com/office/powerpoint/2010/main">
+    <mc:Choice Requires="p14">
+      <p:transition p14:dur="0"/>
+    </mc:Choice>
+    <mc:Fallback xmlns="">
+      <p:transition/>
+    </mc:Fallback>
+  </mc:AlternateContent>
+  <p:timing>
+    <p:tnLst>
+      <p:par>
+        <p:cTn id="1" dur="indefinite" restart="never" nodeType="tmRoot">
+          <p:childTnLst>
+            <p:seq concurrent="1" nextAc="seek">
+              <p:cTn id="2" dur="indefinite" nodeType="mainSeq">
+                <p:childTnLst>
+                  <p:par>
+                    <p:cTn id="3" fill="hold">
+                      <p:stCondLst>
+                        <p:cond delay="indefinite"/>
+                        <p:cond evt="onBegin" delay="0">
+                          <p:tn val="2"/>
+                        </p:cond>
+                      </p:stCondLst>
+                      <p:childTnLst>
+                        <p:par>
+                          <p:cTn id="4" fill="hold">
+                            <p:stCondLst>
+                              <p:cond delay="0"/>
+                            </p:stCondLst>
+                            <p:childTnLst>
+                              <p:par>
+                                <p:cTn id="5" presetID="10" presetClass="entr" presetSubtype="0" fill="hold" nodeType="withEffect">
+                                  <p:stCondLst>
+                                    <p:cond delay="0"/>
+                                  </p:stCondLst>
+                                  <p:childTnLst>
+                                    <p:set>
+                                      <p:cBhvr>
+                                        <p:cTn id="6" dur="1" fill="hold">
+                                          <p:stCondLst>
+                                            <p:cond delay="0"/>
+                                          </p:stCondLst>
+                                        </p:cTn>
+                                        <p:tgtEl>
+                                          <p:spTgt spid="43">
+                                            <p:txEl>
+                                              <p:pRg st="0" end="0"/>
+                                            </p:txEl>
+                                          </p:spTgt>
+                                        </p:tgtEl>
+                                        <p:attrNameLst>
+                                          <p:attrName>style.visibility</p:attrName>
+                                        </p:attrNameLst>
+                                      </p:cBhvr>
+                                      <p:to>
+                                        <p:strVal val="visible"/>
+                                      </p:to>
+                                    </p:set>
+                                    <p:animEffect transition="in" filter="fade">
+                                      <p:cBhvr>
+                                        <p:cTn id="7" dur="500"/>
+                                        <p:tgtEl>
+                                          <p:spTgt spid="43">
+                                            <p:txEl>
+                                              <p:pRg st="0" end="0"/>
+                                            </p:txEl>
+                                          </p:spTgt>
+                                        </p:tgtEl>
+                                      </p:cBhvr>
+                                    </p:animEffect>
+                                  </p:childTnLst>
+                                </p:cTn>
+                              </p:par>
+                            </p:childTnLst>
+                          </p:cTn>
+                        </p:par>
+                      </p:childTnLst>
+                    </p:cTn>
+                  </p:par>
+                </p:childTnLst>
+              </p:cTn>
+              <p:prevCondLst>
+                <p:cond evt="onPrev" delay="0">
+                  <p:tgtEl>
+                    <p:sldTgt/>
+                  </p:tgtEl>
+                </p:cond>
+              </p:prevCondLst>
+              <p:nextCondLst>
+                <p:cond evt="onNext" delay="0">
+                  <p:tgtEl>
+                    <p:sldTgt/>
+                  </p:tgtEl>
+                </p:cond>
+              </p:nextCondLst>
+            </p:seq>
+          </p:childTnLst>
+        </p:cTn>
+      </p:par>
+    </p:tnLst>
+  </p:timing>
+</p:sld>
+</file>
+
+<file path=ppt/slides/slide5.xml><?xml version="1.0" encoding="utf-8"?>
+<p:sld xmlns:a="http://schemas.openxmlformats.org/drawingml/2006/main" xmlns:r="http://schemas.openxmlformats.org/officeDocument/2006/relationships" xmlns:p="http://schemas.openxmlformats.org/presentationml/2006/main">
+  <p:cSld>
+    <p:bg>
+      <p:bgPr>
+        <a:solidFill>
+          <a:schemeClr val="accent2"/>
+        </a:solidFill>
+        <a:effectLst/>
+      </p:bgPr>
+    </p:bg>
+    <p:spTree>
+      <p:nvGrpSpPr>
+        <p:cNvPr id="1" name=""/>
+        <p:cNvGrpSpPr/>
+        <p:nvPr/>
+      </p:nvGrpSpPr>
+      <p:grpSpPr>
+        <a:xfrm>
+          <a:off x="0" y="0"/>
+          <a:ext cx="0" cy="0"/>
+          <a:chOff x="0" y="0"/>
+          <a:chExt cx="0" cy="0"/>
+        </a:xfrm>
+      </p:grpSpPr>
+      <p:sp>
+        <p:nvSpPr>
+          <p:cNvPr id="42" name="Title 41">
+            <a:extLst>
+              <a:ext uri="{FF2B5EF4-FFF2-40B4-BE49-F238E27FC236}">
+                <a16:creationId xmlns:a16="http://schemas.microsoft.com/office/drawing/2014/main" id="{8E62C764-A922-40CC-BC93-E23BF1DB6BA1}"/>
+              </a:ext>
+            </a:extLst>
+          </p:cNvPr>
+          <p:cNvSpPr>
+            <a:spLocks noGrp="1"/>
+          </p:cNvSpPr>
+          <p:nvPr>
+            <p:ph type="title"/>
+          </p:nvPr>
+        </p:nvSpPr>
+        <p:spPr>
+          <a:noFill/>
+        </p:spPr>
+        <p:txBody>
+          <a:bodyPr/>
+          <a:lstStyle/>
+          <a:p>
+            <a:pPr algn="l"/>
+            <a:r>
+              <a:rPr lang="en-GB" sz="4000" dirty="0">
+                <a:solidFill>
+                  <a:schemeClr val="bg1"/>
+                </a:solidFill>
+                <a:latin typeface="Montserrat" panose="02000505000000020004" pitchFamily="2" charset="0"/>
+              </a:rPr>
+              <a:t>CODE OF CONDUCT</a:t>
+            </a:r>
+          </a:p>
+        </p:txBody>
+      </p:sp>
+      <p:sp>
+        <p:nvSpPr>
+          <p:cNvPr id="43" name="TextBox 42">
+            <a:extLst>
+              <a:ext uri="{FF2B5EF4-FFF2-40B4-BE49-F238E27FC236}">
+                <a16:creationId xmlns:a16="http://schemas.microsoft.com/office/drawing/2014/main" id="{88554725-6AF9-4ACE-91FB-3E66E3A8C7AF}"/>
+              </a:ext>
+            </a:extLst>
+          </p:cNvPr>
+          <p:cNvSpPr txBox="1"/>
+          <p:nvPr/>
+        </p:nvSpPr>
+        <p:spPr>
+          <a:xfrm>
             <a:off x="402671" y="1308683"/>
-            <a:ext cx="11577661" cy="3887026"/>
+            <a:ext cx="11577661" cy="3657476"/>
           </a:xfrm>
           <a:prstGeom prst="rect">
             <a:avLst/>
@@ -5359,7 +5761,7 @@
                 </a:solidFill>
                 <a:latin typeface="Montserrat"/>
               </a:rPr>
-              <a:t>Git Fundamentals Talk</a:t>
+              <a:t>See Skype Channel</a:t>
             </a:r>
           </a:p>
           <a:p>
@@ -5370,15 +5772,12 @@
               <a:buFont typeface="Arial" panose="020B0604020202020204" pitchFamily="34" charset="0"/>
               <a:buChar char="•"/>
             </a:pPr>
-            <a:r>
-              <a:rPr lang="en-GB" sz="3200" dirty="0">
-                <a:solidFill>
-                  <a:schemeClr val="bg1"/>
-                </a:solidFill>
-                <a:latin typeface="Montserrat"/>
-              </a:rPr>
-              <a:t>Do’s &amp; Don’ts Of Open Source Contributing</a:t>
-            </a:r>
+            <a:endParaRPr lang="en-GB" sz="3200" dirty="0">
+              <a:solidFill>
+                <a:schemeClr val="bg1"/>
+              </a:solidFill>
+              <a:latin typeface="Montserrat"/>
+            </a:endParaRPr>
           </a:p>
           <a:p>
             <a:pPr marL="285750" indent="-285750">
@@ -5389,32 +5788,34 @@
               <a:buChar char="•"/>
             </a:pPr>
             <a:r>
-              <a:rPr lang="en-GB" sz="3200" dirty="0">
-                <a:solidFill>
-                  <a:schemeClr val="bg1"/>
-                </a:solidFill>
-                <a:latin typeface="Montserrat"/>
+              <a:rPr lang="en-US" sz="2800" dirty="0">
+                <a:solidFill>
+                  <a:srgbClr val="FFFF00"/>
+                </a:solidFill>
               </a:rPr>
-              <a:t>First Pull Request</a:t>
-            </a:r>
-          </a:p>
-          <a:p>
-            <a:pPr marL="285750" indent="-285750">
-              <a:lnSpc>
-                <a:spcPct val="200000"/>
-              </a:lnSpc>
-              <a:buFont typeface="Arial" panose="020B0604020202020204" pitchFamily="34" charset="0"/>
-              <a:buChar char="•"/>
-            </a:pPr>
-            <a:r>
-              <a:rPr lang="en-GB" sz="3200" dirty="0">
-                <a:solidFill>
-                  <a:schemeClr val="bg1"/>
-                </a:solidFill>
-                <a:latin typeface="Montserrat"/>
+              <a:t>https://docs.google.com/document/d/</a:t>
+            </a:r>
+            <a:br>
+              <a:rPr lang="en-US" sz="2800" dirty="0">
+                <a:solidFill>
+                  <a:srgbClr val="FFFF00"/>
+                </a:solidFill>
               </a:rPr>
-              <a:t>Let Loose On Pull Requests</a:t>
-            </a:r>
+            </a:br>
+            <a:r>
+              <a:rPr lang="en-US" sz="2800" dirty="0">
+                <a:solidFill>
+                  <a:srgbClr val="FFFF00"/>
+                </a:solidFill>
+              </a:rPr>
+              <a:t>1gFKOhyUqMZzrZcbq8A_TpO5x9J9HK6agv70awCH8pyI</a:t>
+            </a:r>
+            <a:endParaRPr lang="en-GB" sz="2800" dirty="0">
+              <a:solidFill>
+                <a:srgbClr val="FFFF00"/>
+              </a:solidFill>
+              <a:latin typeface="Montserrat"/>
+            </a:endParaRPr>
           </a:p>
         </p:txBody>
       </p:sp>
@@ -5505,55 +5906,12 @@
                               <p:par>
                                 <p:cTn id="8" presetID="10" presetClass="entr" presetSubtype="0" fill="hold" nodeType="withEffect">
                                   <p:stCondLst>
-                                    <p:cond delay="500"/>
+                                    <p:cond delay="0"/>
                                   </p:stCondLst>
                                   <p:childTnLst>
                                     <p:set>
                                       <p:cBhvr>
                                         <p:cTn id="9" dur="1" fill="hold">
-                                          <p:stCondLst>
-                                            <p:cond delay="0"/>
-                                          </p:stCondLst>
-                                        </p:cTn>
-                                        <p:tgtEl>
-                                          <p:spTgt spid="43">
-                                            <p:txEl>
-                                              <p:pRg st="1" end="1"/>
-                                            </p:txEl>
-                                          </p:spTgt>
-                                        </p:tgtEl>
-                                        <p:attrNameLst>
-                                          <p:attrName>style.visibility</p:attrName>
-                                        </p:attrNameLst>
-                                      </p:cBhvr>
-                                      <p:to>
-                                        <p:strVal val="visible"/>
-                                      </p:to>
-                                    </p:set>
-                                    <p:animEffect transition="in" filter="fade">
-                                      <p:cBhvr>
-                                        <p:cTn id="10" dur="500"/>
-                                        <p:tgtEl>
-                                          <p:spTgt spid="43">
-                                            <p:txEl>
-                                              <p:pRg st="1" end="1"/>
-                                            </p:txEl>
-                                          </p:spTgt>
-                                        </p:tgtEl>
-                                      </p:cBhvr>
-                                    </p:animEffect>
-                                  </p:childTnLst>
-                                </p:cTn>
-                              </p:par>
-                              <p:par>
-                                <p:cTn id="11" presetID="10" presetClass="entr" presetSubtype="0" fill="hold" nodeType="withEffect">
-                                  <p:stCondLst>
-                                    <p:cond delay="1000"/>
-                                  </p:stCondLst>
-                                  <p:childTnLst>
-                                    <p:set>
-                                      <p:cBhvr>
-                                        <p:cTn id="12" dur="1" fill="hold">
                                           <p:stCondLst>
                                             <p:cond delay="0"/>
                                           </p:stCondLst>
@@ -5575,54 +5933,11 @@
                                     </p:set>
                                     <p:animEffect transition="in" filter="fade">
                                       <p:cBhvr>
-                                        <p:cTn id="13" dur="500"/>
+                                        <p:cTn id="10" dur="500"/>
                                         <p:tgtEl>
                                           <p:spTgt spid="43">
                                             <p:txEl>
                                               <p:pRg st="2" end="2"/>
-                                            </p:txEl>
-                                          </p:spTgt>
-                                        </p:tgtEl>
-                                      </p:cBhvr>
-                                    </p:animEffect>
-                                  </p:childTnLst>
-                                </p:cTn>
-                              </p:par>
-                              <p:par>
-                                <p:cTn id="14" presetID="10" presetClass="entr" presetSubtype="0" fill="hold" nodeType="withEffect">
-                                  <p:stCondLst>
-                                    <p:cond delay="1500"/>
-                                  </p:stCondLst>
-                                  <p:childTnLst>
-                                    <p:set>
-                                      <p:cBhvr>
-                                        <p:cTn id="15" dur="1" fill="hold">
-                                          <p:stCondLst>
-                                            <p:cond delay="0"/>
-                                          </p:stCondLst>
-                                        </p:cTn>
-                                        <p:tgtEl>
-                                          <p:spTgt spid="43">
-                                            <p:txEl>
-                                              <p:pRg st="3" end="3"/>
-                                            </p:txEl>
-                                          </p:spTgt>
-                                        </p:tgtEl>
-                                        <p:attrNameLst>
-                                          <p:attrName>style.visibility</p:attrName>
-                                        </p:attrNameLst>
-                                      </p:cBhvr>
-                                      <p:to>
-                                        <p:strVal val="visible"/>
-                                      </p:to>
-                                    </p:set>
-                                    <p:animEffect transition="in" filter="fade">
-                                      <p:cBhvr>
-                                        <p:cTn id="16" dur="500"/>
-                                        <p:tgtEl>
-                                          <p:spTgt spid="43">
-                                            <p:txEl>
-                                              <p:pRg st="3" end="3"/>
                                             </p:txEl>
                                           </p:spTgt>
                                         </p:tgtEl>
@@ -5662,1228 +5977,6 @@
 </p:sld>
 </file>
 
-<file path=ppt/slides/slide5.xml><?xml version="1.0" encoding="utf-8"?>
-<p:sld xmlns:a="http://schemas.openxmlformats.org/drawingml/2006/main" xmlns:r="http://schemas.openxmlformats.org/officeDocument/2006/relationships" xmlns:p="http://schemas.openxmlformats.org/presentationml/2006/main">
-  <p:cSld>
-    <p:spTree>
-      <p:nvGrpSpPr>
-        <p:cNvPr id="1" name=""/>
-        <p:cNvGrpSpPr/>
-        <p:nvPr/>
-      </p:nvGrpSpPr>
-      <p:grpSpPr>
-        <a:xfrm>
-          <a:off x="0" y="0"/>
-          <a:ext cx="0" cy="0"/>
-          <a:chOff x="0" y="0"/>
-          <a:chExt cx="0" cy="0"/>
-        </a:xfrm>
-      </p:grpSpPr>
-      <p:sp>
-        <p:nvSpPr>
-          <p:cNvPr id="9" name="Rectangle 8">
-            <a:extLst>
-              <a:ext uri="{FF2B5EF4-FFF2-40B4-BE49-F238E27FC236}">
-                <a16:creationId xmlns:a16="http://schemas.microsoft.com/office/drawing/2014/main" id="{1D74F2AE-F758-4ACF-B9F1-E17859504EA7}"/>
-              </a:ext>
-            </a:extLst>
-          </p:cNvPr>
-          <p:cNvSpPr/>
-          <p:nvPr/>
-        </p:nvSpPr>
-        <p:spPr>
-          <a:xfrm>
-            <a:off x="6324598" y="1"/>
-            <a:ext cx="5867402" cy="6857999"/>
-          </a:xfrm>
-          <a:prstGeom prst="rect">
-            <a:avLst/>
-          </a:prstGeom>
-          <a:solidFill>
-            <a:srgbClr val="006BC0"/>
-          </a:solidFill>
-        </p:spPr>
-        <p:style>
-          <a:lnRef idx="2">
-            <a:schemeClr val="accent1">
-              <a:shade val="50000"/>
-            </a:schemeClr>
-          </a:lnRef>
-          <a:fillRef idx="1">
-            <a:schemeClr val="accent1"/>
-          </a:fillRef>
-          <a:effectRef idx="0">
-            <a:schemeClr val="accent1"/>
-          </a:effectRef>
-          <a:fontRef idx="minor">
-            <a:schemeClr val="lt1"/>
-          </a:fontRef>
-        </p:style>
-        <p:txBody>
-          <a:bodyPr rtlCol="0" anchor="ctr"/>
-          <a:lstStyle/>
-          <a:p>
-            <a:pPr algn="ctr"/>
-            <a:endParaRPr lang="en-GB"/>
-          </a:p>
-        </p:txBody>
-      </p:sp>
-      <p:sp>
-        <p:nvSpPr>
-          <p:cNvPr id="10" name="TextBox 9">
-            <a:extLst>
-              <a:ext uri="{FF2B5EF4-FFF2-40B4-BE49-F238E27FC236}">
-                <a16:creationId xmlns:a16="http://schemas.microsoft.com/office/drawing/2014/main" id="{4D72AE45-F6C9-49A9-821E-D43953CFAFBF}"/>
-              </a:ext>
-            </a:extLst>
-          </p:cNvPr>
-          <p:cNvSpPr txBox="1"/>
-          <p:nvPr/>
-        </p:nvSpPr>
-        <p:spPr>
-          <a:xfrm>
-            <a:off x="426821" y="1947674"/>
-            <a:ext cx="5867402" cy="3170099"/>
-          </a:xfrm>
-          <a:prstGeom prst="rect">
-            <a:avLst/>
-          </a:prstGeom>
-          <a:noFill/>
-        </p:spPr>
-        <p:txBody>
-          <a:bodyPr wrap="square" rtlCol="0">
-            <a:spAutoFit/>
-          </a:bodyPr>
-          <a:lstStyle/>
-          <a:p>
-            <a:r>
-              <a:rPr lang="en-GB" sz="4000" dirty="0">
-                <a:latin typeface="Montserrat" panose="02000505000000020004" pitchFamily="2" charset="0"/>
-              </a:rPr>
-              <a:t>Started May 2017</a:t>
-            </a:r>
-          </a:p>
-          <a:p>
-            <a:r>
-              <a:rPr lang="en-GB" sz="4000" dirty="0">
-                <a:latin typeface="Montserrat" panose="02000505000000020004" pitchFamily="2" charset="0"/>
-              </a:rPr>
-              <a:t>19 Talks</a:t>
-            </a:r>
-          </a:p>
-          <a:p>
-            <a:r>
-              <a:rPr lang="en-GB" sz="4000" dirty="0">
-                <a:latin typeface="Montserrat" panose="02000505000000020004" pitchFamily="2" charset="0"/>
-              </a:rPr>
-              <a:t>16 Unique Speakers</a:t>
-            </a:r>
-          </a:p>
-          <a:p>
-            <a:r>
-              <a:rPr lang="en-GB" sz="4000" dirty="0">
-                <a:latin typeface="Montserrat" panose="02000505000000020004" pitchFamily="2" charset="0"/>
-              </a:rPr>
-              <a:t>13 Meetups</a:t>
-            </a:r>
-          </a:p>
-          <a:p>
-            <a:r>
-              <a:rPr lang="en-GB" sz="4000" dirty="0">
-                <a:latin typeface="Montserrat" panose="02000505000000020004" pitchFamily="2" charset="0"/>
-              </a:rPr>
-              <a:t>2 Workshops</a:t>
-            </a:r>
-          </a:p>
-        </p:txBody>
-      </p:sp>
-      <p:sp>
-        <p:nvSpPr>
-          <p:cNvPr id="12" name="TextBox 11">
-            <a:extLst>
-              <a:ext uri="{FF2B5EF4-FFF2-40B4-BE49-F238E27FC236}">
-                <a16:creationId xmlns:a16="http://schemas.microsoft.com/office/drawing/2014/main" id="{4D78F657-32C8-4438-90E0-391790433DF3}"/>
-              </a:ext>
-            </a:extLst>
-          </p:cNvPr>
-          <p:cNvSpPr txBox="1"/>
-          <p:nvPr/>
-        </p:nvSpPr>
-        <p:spPr>
-          <a:xfrm>
-            <a:off x="7070036" y="3724189"/>
-            <a:ext cx="2577548" cy="707886"/>
-          </a:xfrm>
-          <a:prstGeom prst="rect">
-            <a:avLst/>
-          </a:prstGeom>
-          <a:noFill/>
-        </p:spPr>
-        <p:txBody>
-          <a:bodyPr wrap="square" rtlCol="0">
-            <a:spAutoFit/>
-          </a:bodyPr>
-          <a:lstStyle/>
-          <a:p>
-            <a:r>
-              <a:rPr lang="en-GB" sz="4000" dirty="0">
-                <a:solidFill>
-                  <a:schemeClr val="accent1">
-                    <a:lumMod val="20000"/>
-                    <a:lumOff val="80000"/>
-                  </a:schemeClr>
-                </a:solidFill>
-                <a:latin typeface="Montserrat" panose="02000505000000020004" pitchFamily="2" charset="0"/>
-              </a:rPr>
-              <a:t>Scotland</a:t>
-            </a:r>
-          </a:p>
-        </p:txBody>
-      </p:sp>
-      <p:sp>
-        <p:nvSpPr>
-          <p:cNvPr id="13" name="TextBox 12">
-            <a:extLst>
-              <a:ext uri="{FF2B5EF4-FFF2-40B4-BE49-F238E27FC236}">
-                <a16:creationId xmlns:a16="http://schemas.microsoft.com/office/drawing/2014/main" id="{4AEEC3A6-FB9E-4E16-8487-08C30D44C6D8}"/>
-              </a:ext>
-            </a:extLst>
-          </p:cNvPr>
-          <p:cNvSpPr txBox="1"/>
-          <p:nvPr/>
-        </p:nvSpPr>
-        <p:spPr>
-          <a:xfrm>
-            <a:off x="7349987" y="5043889"/>
-            <a:ext cx="1239077" cy="369332"/>
-          </a:xfrm>
-          <a:prstGeom prst="rect">
-            <a:avLst/>
-          </a:prstGeom>
-          <a:noFill/>
-        </p:spPr>
-        <p:txBody>
-          <a:bodyPr wrap="square" rtlCol="0">
-            <a:spAutoFit/>
-          </a:bodyPr>
-          <a:lstStyle/>
-          <a:p>
-            <a:r>
-              <a:rPr lang="en-GB" dirty="0">
-                <a:solidFill>
-                  <a:schemeClr val="accent6">
-                    <a:lumMod val="40000"/>
-                    <a:lumOff val="60000"/>
-                  </a:schemeClr>
-                </a:solidFill>
-                <a:latin typeface="Montserrat" panose="02000505000000020004" pitchFamily="2" charset="0"/>
-              </a:rPr>
-              <a:t>England</a:t>
-            </a:r>
-          </a:p>
-        </p:txBody>
-      </p:sp>
-      <p:sp>
-        <p:nvSpPr>
-          <p:cNvPr id="14" name="TextBox 13">
-            <a:extLst>
-              <a:ext uri="{FF2B5EF4-FFF2-40B4-BE49-F238E27FC236}">
-                <a16:creationId xmlns:a16="http://schemas.microsoft.com/office/drawing/2014/main" id="{55F91D1E-8347-4BEC-82DB-ADE10C9A68A4}"/>
-              </a:ext>
-            </a:extLst>
-          </p:cNvPr>
-          <p:cNvSpPr txBox="1"/>
-          <p:nvPr/>
-        </p:nvSpPr>
-        <p:spPr>
-          <a:xfrm>
-            <a:off x="6884975" y="5353475"/>
-            <a:ext cx="2405268" cy="646331"/>
-          </a:xfrm>
-          <a:prstGeom prst="rect">
-            <a:avLst/>
-          </a:prstGeom>
-          <a:noFill/>
-        </p:spPr>
-        <p:txBody>
-          <a:bodyPr wrap="square" rtlCol="0">
-            <a:spAutoFit/>
-          </a:bodyPr>
-          <a:lstStyle/>
-          <a:p>
-            <a:r>
-              <a:rPr lang="en-GB" sz="3600" dirty="0">
-                <a:solidFill>
-                  <a:schemeClr val="accent1">
-                    <a:lumMod val="20000"/>
-                    <a:lumOff val="80000"/>
-                  </a:schemeClr>
-                </a:solidFill>
-                <a:latin typeface="Montserrat" panose="02000505000000020004" pitchFamily="2" charset="0"/>
-              </a:rPr>
-              <a:t>Nebraska</a:t>
-            </a:r>
-          </a:p>
-        </p:txBody>
-      </p:sp>
-      <p:sp>
-        <p:nvSpPr>
-          <p:cNvPr id="15" name="TextBox 14">
-            <a:extLst>
-              <a:ext uri="{FF2B5EF4-FFF2-40B4-BE49-F238E27FC236}">
-                <a16:creationId xmlns:a16="http://schemas.microsoft.com/office/drawing/2014/main" id="{620EDBA4-747D-4294-8568-55E164510F50}"/>
-              </a:ext>
-            </a:extLst>
-          </p:cNvPr>
-          <p:cNvSpPr txBox="1"/>
-          <p:nvPr/>
-        </p:nvSpPr>
-        <p:spPr>
-          <a:xfrm>
-            <a:off x="9448801" y="4223431"/>
-            <a:ext cx="2941983" cy="584775"/>
-          </a:xfrm>
-          <a:prstGeom prst="rect">
-            <a:avLst/>
-          </a:prstGeom>
-          <a:noFill/>
-        </p:spPr>
-        <p:txBody>
-          <a:bodyPr wrap="square" rtlCol="0">
-            <a:spAutoFit/>
-          </a:bodyPr>
-          <a:lstStyle/>
-          <a:p>
-            <a:r>
-              <a:rPr lang="en-GB" sz="3200" dirty="0">
-                <a:solidFill>
-                  <a:srgbClr val="FFC000"/>
-                </a:solidFill>
-                <a:latin typeface="Montserrat" panose="02000505000000020004" pitchFamily="2" charset="0"/>
-              </a:rPr>
-              <a:t>Netherlands</a:t>
-            </a:r>
-          </a:p>
-        </p:txBody>
-      </p:sp>
-      <p:sp>
-        <p:nvSpPr>
-          <p:cNvPr id="16" name="TextBox 15">
-            <a:extLst>
-              <a:ext uri="{FF2B5EF4-FFF2-40B4-BE49-F238E27FC236}">
-                <a16:creationId xmlns:a16="http://schemas.microsoft.com/office/drawing/2014/main" id="{E3A6B0A7-3A1B-4298-9F91-5ACD8A0CF444}"/>
-              </a:ext>
-            </a:extLst>
-          </p:cNvPr>
-          <p:cNvSpPr txBox="1"/>
-          <p:nvPr/>
-        </p:nvSpPr>
-        <p:spPr>
-          <a:xfrm>
-            <a:off x="10143290" y="5644073"/>
-            <a:ext cx="1795462" cy="523220"/>
-          </a:xfrm>
-          <a:prstGeom prst="rect">
-            <a:avLst/>
-          </a:prstGeom>
-          <a:noFill/>
-        </p:spPr>
-        <p:txBody>
-          <a:bodyPr wrap="square" rtlCol="0">
-            <a:spAutoFit/>
-          </a:bodyPr>
-          <a:lstStyle/>
-          <a:p>
-            <a:r>
-              <a:rPr lang="en-GB" sz="2800" dirty="0">
-                <a:solidFill>
-                  <a:schemeClr val="bg1"/>
-                </a:solidFill>
-                <a:latin typeface="Montserrat" panose="02000505000000020004" pitchFamily="2" charset="0"/>
-              </a:rPr>
-              <a:t>Sweden</a:t>
-            </a:r>
-            <a:endParaRPr lang="en-GB" sz="2000" dirty="0">
-              <a:solidFill>
-                <a:schemeClr val="bg1"/>
-              </a:solidFill>
-              <a:latin typeface="Montserrat" panose="02000505000000020004" pitchFamily="2" charset="0"/>
-            </a:endParaRPr>
-          </a:p>
-        </p:txBody>
-      </p:sp>
-      <p:sp>
-        <p:nvSpPr>
-          <p:cNvPr id="17" name="TextBox 16">
-            <a:extLst>
-              <a:ext uri="{FF2B5EF4-FFF2-40B4-BE49-F238E27FC236}">
-                <a16:creationId xmlns:a16="http://schemas.microsoft.com/office/drawing/2014/main" id="{8A026211-5AB3-4371-B162-74D2E6996CD4}"/>
-              </a:ext>
-            </a:extLst>
-          </p:cNvPr>
-          <p:cNvSpPr txBox="1"/>
-          <p:nvPr/>
-        </p:nvSpPr>
-        <p:spPr>
-          <a:xfrm>
-            <a:off x="9454217" y="6202589"/>
-            <a:ext cx="2339008" cy="461665"/>
-          </a:xfrm>
-          <a:prstGeom prst="rect">
-            <a:avLst/>
-          </a:prstGeom>
-          <a:noFill/>
-        </p:spPr>
-        <p:txBody>
-          <a:bodyPr wrap="square" rtlCol="0">
-            <a:spAutoFit/>
-          </a:bodyPr>
-          <a:lstStyle/>
-          <a:p>
-            <a:r>
-              <a:rPr lang="en-GB" sz="2400" dirty="0">
-                <a:solidFill>
-                  <a:schemeClr val="bg1"/>
-                </a:solidFill>
-                <a:latin typeface="Montserrat" panose="02000505000000020004" pitchFamily="2" charset="0"/>
-              </a:rPr>
-              <a:t>New Zealand</a:t>
-            </a:r>
-          </a:p>
-        </p:txBody>
-      </p:sp>
-      <p:sp>
-        <p:nvSpPr>
-          <p:cNvPr id="18" name="TextBox 17">
-            <a:extLst>
-              <a:ext uri="{FF2B5EF4-FFF2-40B4-BE49-F238E27FC236}">
-                <a16:creationId xmlns:a16="http://schemas.microsoft.com/office/drawing/2014/main" id="{BA34AFF3-328F-477D-9346-CF5B267743A0}"/>
-              </a:ext>
-            </a:extLst>
-          </p:cNvPr>
-          <p:cNvSpPr txBox="1"/>
-          <p:nvPr/>
-        </p:nvSpPr>
-        <p:spPr>
-          <a:xfrm>
-            <a:off x="9290243" y="4923603"/>
-            <a:ext cx="1941443" cy="584775"/>
-          </a:xfrm>
-          <a:prstGeom prst="rect">
-            <a:avLst/>
-          </a:prstGeom>
-          <a:noFill/>
-        </p:spPr>
-        <p:txBody>
-          <a:bodyPr wrap="square" rtlCol="0">
-            <a:spAutoFit/>
-          </a:bodyPr>
-          <a:lstStyle/>
-          <a:p>
-            <a:r>
-              <a:rPr lang="en-GB" sz="3200" dirty="0">
-                <a:solidFill>
-                  <a:schemeClr val="accent4">
-                    <a:lumMod val="60000"/>
-                    <a:lumOff val="40000"/>
-                  </a:schemeClr>
-                </a:solidFill>
-                <a:latin typeface="Montserrat" panose="02000505000000020004" pitchFamily="2" charset="0"/>
-              </a:rPr>
-              <a:t>Belgium</a:t>
-            </a:r>
-            <a:endParaRPr lang="en-GB" sz="4000" dirty="0">
-              <a:solidFill>
-                <a:schemeClr val="accent4">
-                  <a:lumMod val="60000"/>
-                  <a:lumOff val="40000"/>
-                </a:schemeClr>
-              </a:solidFill>
-              <a:latin typeface="Montserrat" panose="02000505000000020004" pitchFamily="2" charset="0"/>
-            </a:endParaRPr>
-          </a:p>
-        </p:txBody>
-      </p:sp>
-      <p:sp>
-        <p:nvSpPr>
-          <p:cNvPr id="19" name="TextBox 18">
-            <a:extLst>
-              <a:ext uri="{FF2B5EF4-FFF2-40B4-BE49-F238E27FC236}">
-                <a16:creationId xmlns:a16="http://schemas.microsoft.com/office/drawing/2014/main" id="{FABCD297-E707-4C27-B9EB-BBE862DF86E5}"/>
-              </a:ext>
-            </a:extLst>
-          </p:cNvPr>
-          <p:cNvSpPr txBox="1"/>
-          <p:nvPr/>
-        </p:nvSpPr>
-        <p:spPr>
-          <a:xfrm>
-            <a:off x="9811527" y="3805673"/>
-            <a:ext cx="1374914" cy="400110"/>
-          </a:xfrm>
-          <a:prstGeom prst="rect">
-            <a:avLst/>
-          </a:prstGeom>
-          <a:noFill/>
-        </p:spPr>
-        <p:txBody>
-          <a:bodyPr wrap="square" rtlCol="0">
-            <a:spAutoFit/>
-          </a:bodyPr>
-          <a:lstStyle/>
-          <a:p>
-            <a:r>
-              <a:rPr lang="en-GB" sz="2000" dirty="0">
-                <a:solidFill>
-                  <a:schemeClr val="accent6">
-                    <a:lumMod val="40000"/>
-                    <a:lumOff val="60000"/>
-                  </a:schemeClr>
-                </a:solidFill>
-                <a:latin typeface="Montserrat" panose="02000505000000020004" pitchFamily="2" charset="0"/>
-              </a:rPr>
-              <a:t>Missouri</a:t>
-            </a:r>
-            <a:endParaRPr lang="en-GB" sz="4000" dirty="0">
-              <a:solidFill>
-                <a:schemeClr val="accent6">
-                  <a:lumMod val="40000"/>
-                  <a:lumOff val="60000"/>
-                </a:schemeClr>
-              </a:solidFill>
-              <a:latin typeface="Montserrat" panose="02000505000000020004" pitchFamily="2" charset="0"/>
-            </a:endParaRPr>
-          </a:p>
-        </p:txBody>
-      </p:sp>
-      <p:sp>
-        <p:nvSpPr>
-          <p:cNvPr id="20" name="TextBox 19">
-            <a:extLst>
-              <a:ext uri="{FF2B5EF4-FFF2-40B4-BE49-F238E27FC236}">
-                <a16:creationId xmlns:a16="http://schemas.microsoft.com/office/drawing/2014/main" id="{728D5CF8-08CE-4198-9668-303B29C86663}"/>
-              </a:ext>
-            </a:extLst>
-          </p:cNvPr>
-          <p:cNvSpPr txBox="1"/>
-          <p:nvPr/>
-        </p:nvSpPr>
-        <p:spPr>
-          <a:xfrm>
-            <a:off x="6583524" y="6261236"/>
-            <a:ext cx="2932046" cy="523220"/>
-          </a:xfrm>
-          <a:prstGeom prst="rect">
-            <a:avLst/>
-          </a:prstGeom>
-          <a:noFill/>
-        </p:spPr>
-        <p:txBody>
-          <a:bodyPr wrap="square" rtlCol="0">
-            <a:spAutoFit/>
-          </a:bodyPr>
-          <a:lstStyle/>
-          <a:p>
-            <a:r>
-              <a:rPr lang="en-GB" sz="2800" dirty="0">
-                <a:solidFill>
-                  <a:srgbClr val="00B050"/>
-                </a:solidFill>
-                <a:latin typeface="Montserrat" panose="02000505000000020004" pitchFamily="2" charset="0"/>
-              </a:rPr>
-              <a:t>Massachusetts</a:t>
-            </a:r>
-          </a:p>
-        </p:txBody>
-      </p:sp>
-      <p:sp>
-        <p:nvSpPr>
-          <p:cNvPr id="21" name="TextBox 20">
-            <a:extLst>
-              <a:ext uri="{FF2B5EF4-FFF2-40B4-BE49-F238E27FC236}">
-                <a16:creationId xmlns:a16="http://schemas.microsoft.com/office/drawing/2014/main" id="{743ADFAB-A532-42BB-994C-8C22DE148A69}"/>
-              </a:ext>
-            </a:extLst>
-          </p:cNvPr>
-          <p:cNvSpPr txBox="1"/>
-          <p:nvPr/>
-        </p:nvSpPr>
-        <p:spPr>
-          <a:xfrm>
-            <a:off x="6380921" y="4372184"/>
-            <a:ext cx="2405268" cy="646331"/>
-          </a:xfrm>
-          <a:prstGeom prst="rect">
-            <a:avLst/>
-          </a:prstGeom>
-          <a:noFill/>
-        </p:spPr>
-        <p:txBody>
-          <a:bodyPr wrap="square" rtlCol="0">
-            <a:spAutoFit/>
-          </a:bodyPr>
-          <a:lstStyle/>
-          <a:p>
-            <a:r>
-              <a:rPr lang="en-GB" sz="3600" dirty="0">
-                <a:solidFill>
-                  <a:schemeClr val="accent4">
-                    <a:lumMod val="60000"/>
-                    <a:lumOff val="40000"/>
-                  </a:schemeClr>
-                </a:solidFill>
-                <a:latin typeface="Montserrat" panose="02000505000000020004" pitchFamily="2" charset="0"/>
-              </a:rPr>
-              <a:t>Germany</a:t>
-            </a:r>
-          </a:p>
-        </p:txBody>
-      </p:sp>
-      <p:sp>
-        <p:nvSpPr>
-          <p:cNvPr id="45" name="TextBox 44">
-            <a:extLst>
-              <a:ext uri="{FF2B5EF4-FFF2-40B4-BE49-F238E27FC236}">
-                <a16:creationId xmlns:a16="http://schemas.microsoft.com/office/drawing/2014/main" id="{5DA771E7-D963-4100-854B-781D25835E9C}"/>
-              </a:ext>
-            </a:extLst>
-          </p:cNvPr>
-          <p:cNvSpPr txBox="1"/>
-          <p:nvPr/>
-        </p:nvSpPr>
-        <p:spPr>
-          <a:xfrm>
-            <a:off x="6583524" y="52916"/>
-            <a:ext cx="3116648" cy="707886"/>
-          </a:xfrm>
-          <a:prstGeom prst="rect">
-            <a:avLst/>
-          </a:prstGeom>
-          <a:noFill/>
-        </p:spPr>
-        <p:txBody>
-          <a:bodyPr wrap="square" rtlCol="0">
-            <a:spAutoFit/>
-          </a:bodyPr>
-          <a:lstStyle/>
-          <a:p>
-            <a:r>
-              <a:rPr lang="en-GB" sz="4000" dirty="0">
-                <a:solidFill>
-                  <a:srgbClr val="00B0F0"/>
-                </a:solidFill>
-                <a:latin typeface="Montserrat" panose="02000505000000020004" pitchFamily="2" charset="0"/>
-              </a:rPr>
-              <a:t>PowerShell</a:t>
-            </a:r>
-          </a:p>
-        </p:txBody>
-      </p:sp>
-      <p:sp>
-        <p:nvSpPr>
-          <p:cNvPr id="46" name="TextBox 45">
-            <a:extLst>
-              <a:ext uri="{FF2B5EF4-FFF2-40B4-BE49-F238E27FC236}">
-                <a16:creationId xmlns:a16="http://schemas.microsoft.com/office/drawing/2014/main" id="{630365AB-1151-4E47-A4C5-F00B0645B098}"/>
-              </a:ext>
-            </a:extLst>
-          </p:cNvPr>
-          <p:cNvSpPr txBox="1"/>
-          <p:nvPr/>
-        </p:nvSpPr>
-        <p:spPr>
-          <a:xfrm>
-            <a:off x="6468831" y="1108090"/>
-            <a:ext cx="1047393" cy="523220"/>
-          </a:xfrm>
-          <a:prstGeom prst="rect">
-            <a:avLst/>
-          </a:prstGeom>
-          <a:noFill/>
-        </p:spPr>
-        <p:txBody>
-          <a:bodyPr wrap="square" rtlCol="0">
-            <a:spAutoFit/>
-          </a:bodyPr>
-          <a:lstStyle/>
-          <a:p>
-            <a:r>
-              <a:rPr lang="en-GB" sz="2800" dirty="0">
-                <a:solidFill>
-                  <a:srgbClr val="FFFF00"/>
-                </a:solidFill>
-                <a:latin typeface="Montserrat" panose="02000505000000020004" pitchFamily="2" charset="0"/>
-              </a:rPr>
-              <a:t>DSC</a:t>
-            </a:r>
-            <a:endParaRPr lang="en-GB" dirty="0">
-              <a:solidFill>
-                <a:srgbClr val="FFFF00"/>
-              </a:solidFill>
-              <a:latin typeface="Montserrat" panose="02000505000000020004" pitchFamily="2" charset="0"/>
-            </a:endParaRPr>
-          </a:p>
-        </p:txBody>
-      </p:sp>
-      <p:sp>
-        <p:nvSpPr>
-          <p:cNvPr id="47" name="TextBox 46">
-            <a:extLst>
-              <a:ext uri="{FF2B5EF4-FFF2-40B4-BE49-F238E27FC236}">
-                <a16:creationId xmlns:a16="http://schemas.microsoft.com/office/drawing/2014/main" id="{74BD0CB9-C2A3-4653-95B0-7C8EFC9E9DA5}"/>
-              </a:ext>
-            </a:extLst>
-          </p:cNvPr>
-          <p:cNvSpPr txBox="1"/>
-          <p:nvPr/>
-        </p:nvSpPr>
-        <p:spPr>
-          <a:xfrm>
-            <a:off x="6384742" y="1932786"/>
-            <a:ext cx="2674879" cy="461665"/>
-          </a:xfrm>
-          <a:prstGeom prst="rect">
-            <a:avLst/>
-          </a:prstGeom>
-          <a:noFill/>
-        </p:spPr>
-        <p:txBody>
-          <a:bodyPr wrap="square" rtlCol="0">
-            <a:spAutoFit/>
-          </a:bodyPr>
-          <a:lstStyle/>
-          <a:p>
-            <a:r>
-              <a:rPr lang="en-GB" sz="2400" dirty="0">
-                <a:solidFill>
-                  <a:srgbClr val="00B0F0"/>
-                </a:solidFill>
-                <a:latin typeface="Montserrat" panose="02000505000000020004" pitchFamily="2" charset="0"/>
-              </a:rPr>
-              <a:t>Standards</a:t>
-            </a:r>
-            <a:endParaRPr lang="en-GB" sz="3600" dirty="0">
-              <a:solidFill>
-                <a:srgbClr val="00B0F0"/>
-              </a:solidFill>
-              <a:latin typeface="Montserrat" panose="02000505000000020004" pitchFamily="2" charset="0"/>
-            </a:endParaRPr>
-          </a:p>
-        </p:txBody>
-      </p:sp>
-      <p:sp>
-        <p:nvSpPr>
-          <p:cNvPr id="48" name="TextBox 47">
-            <a:extLst>
-              <a:ext uri="{FF2B5EF4-FFF2-40B4-BE49-F238E27FC236}">
-                <a16:creationId xmlns:a16="http://schemas.microsoft.com/office/drawing/2014/main" id="{9F36F914-C61A-4491-9582-630151BD24C3}"/>
-              </a:ext>
-            </a:extLst>
-          </p:cNvPr>
-          <p:cNvSpPr txBox="1"/>
-          <p:nvPr/>
-        </p:nvSpPr>
-        <p:spPr>
-          <a:xfrm>
-            <a:off x="7521256" y="746113"/>
-            <a:ext cx="3383083" cy="584775"/>
-          </a:xfrm>
-          <a:prstGeom prst="rect">
-            <a:avLst/>
-          </a:prstGeom>
-          <a:noFill/>
-        </p:spPr>
-        <p:txBody>
-          <a:bodyPr wrap="square" rtlCol="0">
-            <a:spAutoFit/>
-          </a:bodyPr>
-          <a:lstStyle/>
-          <a:p>
-            <a:r>
-              <a:rPr lang="en-GB" sz="3200" dirty="0">
-                <a:solidFill>
-                  <a:srgbClr val="FFC000"/>
-                </a:solidFill>
-                <a:latin typeface="Montserrat" panose="02000505000000020004" pitchFamily="2" charset="0"/>
-              </a:rPr>
-              <a:t>Module Design</a:t>
-            </a:r>
-          </a:p>
-        </p:txBody>
-      </p:sp>
-      <p:sp>
-        <p:nvSpPr>
-          <p:cNvPr id="49" name="TextBox 48">
-            <a:extLst>
-              <a:ext uri="{FF2B5EF4-FFF2-40B4-BE49-F238E27FC236}">
-                <a16:creationId xmlns:a16="http://schemas.microsoft.com/office/drawing/2014/main" id="{D8A31CEC-1252-4D15-8386-560CF10568C9}"/>
-              </a:ext>
-            </a:extLst>
-          </p:cNvPr>
-          <p:cNvSpPr txBox="1"/>
-          <p:nvPr/>
-        </p:nvSpPr>
-        <p:spPr>
-          <a:xfrm>
-            <a:off x="7779784" y="2347446"/>
-            <a:ext cx="898544" cy="461665"/>
-          </a:xfrm>
-          <a:prstGeom prst="rect">
-            <a:avLst/>
-          </a:prstGeom>
-          <a:noFill/>
-        </p:spPr>
-        <p:txBody>
-          <a:bodyPr wrap="square" rtlCol="0">
-            <a:spAutoFit/>
-          </a:bodyPr>
-          <a:lstStyle/>
-          <a:p>
-            <a:r>
-              <a:rPr lang="en-GB" sz="2400" dirty="0">
-                <a:solidFill>
-                  <a:srgbClr val="FFFF00"/>
-                </a:solidFill>
-                <a:latin typeface="Montserrat" panose="02000505000000020004" pitchFamily="2" charset="0"/>
-              </a:rPr>
-              <a:t>Git</a:t>
-            </a:r>
-          </a:p>
-        </p:txBody>
-      </p:sp>
-      <p:sp>
-        <p:nvSpPr>
-          <p:cNvPr id="50" name="TextBox 49">
-            <a:extLst>
-              <a:ext uri="{FF2B5EF4-FFF2-40B4-BE49-F238E27FC236}">
-                <a16:creationId xmlns:a16="http://schemas.microsoft.com/office/drawing/2014/main" id="{86133F91-20DF-4307-907F-F261B0946558}"/>
-              </a:ext>
-            </a:extLst>
-          </p:cNvPr>
-          <p:cNvSpPr txBox="1"/>
-          <p:nvPr/>
-        </p:nvSpPr>
-        <p:spPr>
-          <a:xfrm>
-            <a:off x="9142318" y="2342376"/>
-            <a:ext cx="1132270" cy="461665"/>
-          </a:xfrm>
-          <a:prstGeom prst="rect">
-            <a:avLst/>
-          </a:prstGeom>
-          <a:noFill/>
-        </p:spPr>
-        <p:txBody>
-          <a:bodyPr wrap="square" rtlCol="0">
-            <a:spAutoFit/>
-          </a:bodyPr>
-          <a:lstStyle/>
-          <a:p>
-            <a:r>
-              <a:rPr lang="en-GB" sz="2400" dirty="0">
-                <a:latin typeface="Montserrat" panose="02000505000000020004" pitchFamily="2" charset="0"/>
-              </a:rPr>
-              <a:t>Azure</a:t>
-            </a:r>
-          </a:p>
-        </p:txBody>
-      </p:sp>
-      <p:sp>
-        <p:nvSpPr>
-          <p:cNvPr id="51" name="TextBox 50">
-            <a:extLst>
-              <a:ext uri="{FF2B5EF4-FFF2-40B4-BE49-F238E27FC236}">
-                <a16:creationId xmlns:a16="http://schemas.microsoft.com/office/drawing/2014/main" id="{5E47B2B0-7BF1-48CE-85C2-58F6EEF5D219}"/>
-              </a:ext>
-            </a:extLst>
-          </p:cNvPr>
-          <p:cNvSpPr txBox="1"/>
-          <p:nvPr/>
-        </p:nvSpPr>
-        <p:spPr>
-          <a:xfrm>
-            <a:off x="8552589" y="1179725"/>
-            <a:ext cx="2932046" cy="584775"/>
-          </a:xfrm>
-          <a:prstGeom prst="rect">
-            <a:avLst/>
-          </a:prstGeom>
-          <a:noFill/>
-        </p:spPr>
-        <p:txBody>
-          <a:bodyPr wrap="square" rtlCol="0">
-            <a:spAutoFit/>
-          </a:bodyPr>
-          <a:lstStyle/>
-          <a:p>
-            <a:r>
-              <a:rPr lang="en-GB" sz="3200" dirty="0">
-                <a:solidFill>
-                  <a:srgbClr val="00B0F0"/>
-                </a:solidFill>
-                <a:latin typeface="Montserrat" panose="02000505000000020004" pitchFamily="2" charset="0"/>
-              </a:rPr>
-              <a:t>Best Practice</a:t>
-            </a:r>
-            <a:endParaRPr lang="en-GB" sz="4000" dirty="0">
-              <a:solidFill>
-                <a:srgbClr val="00B0F0"/>
-              </a:solidFill>
-              <a:latin typeface="Montserrat" panose="02000505000000020004" pitchFamily="2" charset="0"/>
-            </a:endParaRPr>
-          </a:p>
-        </p:txBody>
-      </p:sp>
-      <p:sp>
-        <p:nvSpPr>
-          <p:cNvPr id="52" name="TextBox 51">
-            <a:extLst>
-              <a:ext uri="{FF2B5EF4-FFF2-40B4-BE49-F238E27FC236}">
-                <a16:creationId xmlns:a16="http://schemas.microsoft.com/office/drawing/2014/main" id="{D8E3408C-A294-4022-A92B-9E0C042F75EA}"/>
-              </a:ext>
-            </a:extLst>
-          </p:cNvPr>
-          <p:cNvSpPr txBox="1"/>
-          <p:nvPr/>
-        </p:nvSpPr>
-        <p:spPr>
-          <a:xfrm>
-            <a:off x="7779784" y="2785709"/>
-            <a:ext cx="1656589" cy="523220"/>
-          </a:xfrm>
-          <a:prstGeom prst="rect">
-            <a:avLst/>
-          </a:prstGeom>
-          <a:noFill/>
-        </p:spPr>
-        <p:txBody>
-          <a:bodyPr wrap="square" rtlCol="0">
-            <a:spAutoFit/>
-          </a:bodyPr>
-          <a:lstStyle/>
-          <a:p>
-            <a:r>
-              <a:rPr lang="en-GB" sz="2800" dirty="0">
-                <a:solidFill>
-                  <a:srgbClr val="FFFF00"/>
-                </a:solidFill>
-                <a:latin typeface="Montserrat" panose="02000505000000020004" pitchFamily="2" charset="0"/>
-              </a:rPr>
-              <a:t>DevOps</a:t>
-            </a:r>
-            <a:endParaRPr lang="en-GB" sz="4800" dirty="0">
-              <a:solidFill>
-                <a:srgbClr val="FFFF00"/>
-              </a:solidFill>
-              <a:latin typeface="Montserrat" panose="02000505000000020004" pitchFamily="2" charset="0"/>
-            </a:endParaRPr>
-          </a:p>
-        </p:txBody>
-      </p:sp>
-      <p:sp>
-        <p:nvSpPr>
-          <p:cNvPr id="53" name="TextBox 52">
-            <a:extLst>
-              <a:ext uri="{FF2B5EF4-FFF2-40B4-BE49-F238E27FC236}">
-                <a16:creationId xmlns:a16="http://schemas.microsoft.com/office/drawing/2014/main" id="{5FA1ABA5-698F-4077-B7F4-EF37123BF42F}"/>
-              </a:ext>
-            </a:extLst>
-          </p:cNvPr>
-          <p:cNvSpPr txBox="1"/>
-          <p:nvPr/>
-        </p:nvSpPr>
-        <p:spPr>
-          <a:xfrm>
-            <a:off x="7567538" y="1477267"/>
-            <a:ext cx="930707" cy="523220"/>
-          </a:xfrm>
-          <a:prstGeom prst="rect">
-            <a:avLst/>
-          </a:prstGeom>
-          <a:noFill/>
-        </p:spPr>
-        <p:txBody>
-          <a:bodyPr wrap="square" rtlCol="0">
-            <a:spAutoFit/>
-          </a:bodyPr>
-          <a:lstStyle/>
-          <a:p>
-            <a:r>
-              <a:rPr lang="en-GB" sz="2800" dirty="0">
-                <a:solidFill>
-                  <a:srgbClr val="00B050"/>
-                </a:solidFill>
-                <a:latin typeface="Montserrat" panose="02000505000000020004" pitchFamily="2" charset="0"/>
-              </a:rPr>
-              <a:t>SQL</a:t>
-            </a:r>
-          </a:p>
-        </p:txBody>
-      </p:sp>
-      <p:sp>
-        <p:nvSpPr>
-          <p:cNvPr id="54" name="TextBox 53">
-            <a:extLst>
-              <a:ext uri="{FF2B5EF4-FFF2-40B4-BE49-F238E27FC236}">
-                <a16:creationId xmlns:a16="http://schemas.microsoft.com/office/drawing/2014/main" id="{F9F71EA8-1C35-493B-8BF4-26CB961815E0}"/>
-              </a:ext>
-            </a:extLst>
-          </p:cNvPr>
-          <p:cNvSpPr txBox="1"/>
-          <p:nvPr/>
-        </p:nvSpPr>
-        <p:spPr>
-          <a:xfrm>
-            <a:off x="10285751" y="2557004"/>
-            <a:ext cx="2226931" cy="584775"/>
-          </a:xfrm>
-          <a:prstGeom prst="rect">
-            <a:avLst/>
-          </a:prstGeom>
-          <a:noFill/>
-        </p:spPr>
-        <p:txBody>
-          <a:bodyPr wrap="square" rtlCol="0">
-            <a:spAutoFit/>
-          </a:bodyPr>
-          <a:lstStyle/>
-          <a:p>
-            <a:r>
-              <a:rPr lang="en-GB" sz="3200" dirty="0" err="1">
-                <a:solidFill>
-                  <a:srgbClr val="00B050"/>
-                </a:solidFill>
-                <a:latin typeface="Montserrat" panose="02000505000000020004" pitchFamily="2" charset="0"/>
-              </a:rPr>
-              <a:t>WinOps</a:t>
-            </a:r>
-            <a:endParaRPr lang="en-GB" sz="4000" dirty="0">
-              <a:solidFill>
-                <a:srgbClr val="00B050"/>
-              </a:solidFill>
-              <a:latin typeface="Montserrat" panose="02000505000000020004" pitchFamily="2" charset="0"/>
-            </a:endParaRPr>
-          </a:p>
-        </p:txBody>
-      </p:sp>
-      <p:sp>
-        <p:nvSpPr>
-          <p:cNvPr id="55" name="TextBox 54">
-            <a:extLst>
-              <a:ext uri="{FF2B5EF4-FFF2-40B4-BE49-F238E27FC236}">
-                <a16:creationId xmlns:a16="http://schemas.microsoft.com/office/drawing/2014/main" id="{037E96F3-6437-4374-8F28-12F0CEC74A8E}"/>
-              </a:ext>
-            </a:extLst>
-          </p:cNvPr>
-          <p:cNvSpPr txBox="1"/>
-          <p:nvPr/>
-        </p:nvSpPr>
-        <p:spPr>
-          <a:xfrm>
-            <a:off x="10163696" y="222543"/>
-            <a:ext cx="1132270" cy="461665"/>
-          </a:xfrm>
-          <a:prstGeom prst="rect">
-            <a:avLst/>
-          </a:prstGeom>
-          <a:noFill/>
-        </p:spPr>
-        <p:txBody>
-          <a:bodyPr wrap="square" rtlCol="0">
-            <a:spAutoFit/>
-          </a:bodyPr>
-          <a:lstStyle/>
-          <a:p>
-            <a:r>
-              <a:rPr lang="en-GB" sz="2400" dirty="0">
-                <a:solidFill>
-                  <a:schemeClr val="accent2">
-                    <a:lumMod val="75000"/>
-                  </a:schemeClr>
-                </a:solidFill>
-                <a:latin typeface="Montserrat" panose="02000505000000020004" pitchFamily="2" charset="0"/>
-              </a:rPr>
-              <a:t>AWS</a:t>
-            </a:r>
-          </a:p>
-        </p:txBody>
-      </p:sp>
-      <p:sp>
-        <p:nvSpPr>
-          <p:cNvPr id="56" name="TextBox 55">
-            <a:extLst>
-              <a:ext uri="{FF2B5EF4-FFF2-40B4-BE49-F238E27FC236}">
-                <a16:creationId xmlns:a16="http://schemas.microsoft.com/office/drawing/2014/main" id="{F080FCBF-F4AE-4FE5-AE66-FBD09826B2B9}"/>
-              </a:ext>
-            </a:extLst>
-          </p:cNvPr>
-          <p:cNvSpPr txBox="1"/>
-          <p:nvPr/>
-        </p:nvSpPr>
-        <p:spPr>
-          <a:xfrm>
-            <a:off x="8558995" y="1748432"/>
-            <a:ext cx="3103009" cy="584775"/>
-          </a:xfrm>
-          <a:prstGeom prst="rect">
-            <a:avLst/>
-          </a:prstGeom>
-          <a:noFill/>
-        </p:spPr>
-        <p:txBody>
-          <a:bodyPr wrap="square" rtlCol="0">
-            <a:spAutoFit/>
-          </a:bodyPr>
-          <a:lstStyle/>
-          <a:p>
-            <a:r>
-              <a:rPr lang="en-GB" sz="3200" dirty="0">
-                <a:solidFill>
-                  <a:srgbClr val="FFFF00"/>
-                </a:solidFill>
-                <a:latin typeface="Montserrat" panose="02000505000000020004" pitchFamily="2" charset="0"/>
-              </a:rPr>
-              <a:t>SharePoint</a:t>
-            </a:r>
-            <a:endParaRPr lang="en-GB" sz="4000" dirty="0">
-              <a:solidFill>
-                <a:srgbClr val="FFFF00"/>
-              </a:solidFill>
-              <a:latin typeface="Montserrat" panose="02000505000000020004" pitchFamily="2" charset="0"/>
-            </a:endParaRPr>
-          </a:p>
-        </p:txBody>
-      </p:sp>
-      <p:sp>
-        <p:nvSpPr>
-          <p:cNvPr id="58" name="TextBox 57">
-            <a:extLst>
-              <a:ext uri="{FF2B5EF4-FFF2-40B4-BE49-F238E27FC236}">
-                <a16:creationId xmlns:a16="http://schemas.microsoft.com/office/drawing/2014/main" id="{3772317D-7AD7-4725-B4F4-123023112643}"/>
-              </a:ext>
-            </a:extLst>
-          </p:cNvPr>
-          <p:cNvSpPr txBox="1"/>
-          <p:nvPr/>
-        </p:nvSpPr>
-        <p:spPr>
-          <a:xfrm>
-            <a:off x="6324598" y="2557004"/>
-            <a:ext cx="1508572" cy="707886"/>
-          </a:xfrm>
-          <a:prstGeom prst="rect">
-            <a:avLst/>
-          </a:prstGeom>
-          <a:noFill/>
-        </p:spPr>
-        <p:txBody>
-          <a:bodyPr wrap="square" rtlCol="0">
-            <a:spAutoFit/>
-          </a:bodyPr>
-          <a:lstStyle/>
-          <a:p>
-            <a:r>
-              <a:rPr lang="en-GB" sz="4000" dirty="0">
-                <a:solidFill>
-                  <a:srgbClr val="00B050"/>
-                </a:solidFill>
-                <a:latin typeface="Montserrat" panose="02000505000000020004" pitchFamily="2" charset="0"/>
-              </a:rPr>
-              <a:t>.NET</a:t>
-            </a:r>
-          </a:p>
-        </p:txBody>
-      </p:sp>
-      <p:sp>
-        <p:nvSpPr>
-          <p:cNvPr id="59" name="TextBox 58">
-            <a:extLst>
-              <a:ext uri="{FF2B5EF4-FFF2-40B4-BE49-F238E27FC236}">
-                <a16:creationId xmlns:a16="http://schemas.microsoft.com/office/drawing/2014/main" id="{EECE75C7-8B60-48FD-A51A-2BB22D6519B5}"/>
-              </a:ext>
-            </a:extLst>
-          </p:cNvPr>
-          <p:cNvSpPr txBox="1"/>
-          <p:nvPr/>
-        </p:nvSpPr>
-        <p:spPr>
-          <a:xfrm>
-            <a:off x="11186441" y="1700190"/>
-            <a:ext cx="1495588" cy="523220"/>
-          </a:xfrm>
-          <a:prstGeom prst="rect">
-            <a:avLst/>
-          </a:prstGeom>
-          <a:noFill/>
-        </p:spPr>
-        <p:txBody>
-          <a:bodyPr wrap="square" rtlCol="0">
-            <a:spAutoFit/>
-          </a:bodyPr>
-          <a:lstStyle/>
-          <a:p>
-            <a:r>
-              <a:rPr lang="en-GB" sz="2800" dirty="0">
-                <a:latin typeface="Montserrat" panose="02000505000000020004" pitchFamily="2" charset="0"/>
-              </a:rPr>
-              <a:t>OMS</a:t>
-            </a:r>
-          </a:p>
-        </p:txBody>
-      </p:sp>
-      <p:sp>
-        <p:nvSpPr>
-          <p:cNvPr id="60" name="TextBox 59">
-            <a:extLst>
-              <a:ext uri="{FF2B5EF4-FFF2-40B4-BE49-F238E27FC236}">
-                <a16:creationId xmlns:a16="http://schemas.microsoft.com/office/drawing/2014/main" id="{ED58132A-9515-4F07-9A3C-351679F1CAF1}"/>
-              </a:ext>
-            </a:extLst>
-          </p:cNvPr>
-          <p:cNvSpPr txBox="1"/>
-          <p:nvPr/>
-        </p:nvSpPr>
-        <p:spPr>
-          <a:xfrm>
-            <a:off x="10979289" y="655411"/>
-            <a:ext cx="1089445" cy="400110"/>
-          </a:xfrm>
-          <a:prstGeom prst="rect">
-            <a:avLst/>
-          </a:prstGeom>
-          <a:noFill/>
-        </p:spPr>
-        <p:txBody>
-          <a:bodyPr wrap="square" rtlCol="0">
-            <a:spAutoFit/>
-          </a:bodyPr>
-          <a:lstStyle/>
-          <a:p>
-            <a:r>
-              <a:rPr lang="en-GB" sz="2000" dirty="0">
-                <a:solidFill>
-                  <a:srgbClr val="00B0F0"/>
-                </a:solidFill>
-                <a:latin typeface="Montserrat" panose="02000505000000020004" pitchFamily="2" charset="0"/>
-              </a:rPr>
-              <a:t>Intune</a:t>
-            </a:r>
-          </a:p>
-        </p:txBody>
-      </p:sp>
-    </p:spTree>
-    <p:extLst>
-      <p:ext uri="{BB962C8B-B14F-4D97-AF65-F5344CB8AC3E}">
-        <p14:creationId xmlns:p14="http://schemas.microsoft.com/office/powerpoint/2010/main" val="1406096034"/>
-      </p:ext>
-    </p:extLst>
-  </p:cSld>
-  <p:clrMapOvr>
-    <a:masterClrMapping/>
-  </p:clrMapOvr>
-</p:sld>
-</file>
-
 <file path=ppt/slides/slide6.xml><?xml version="1.0" encoding="utf-8"?>
 <p:sld xmlns:a="http://schemas.openxmlformats.org/drawingml/2006/main" xmlns:r="http://schemas.openxmlformats.org/officeDocument/2006/relationships" xmlns:p="http://schemas.openxmlformats.org/presentationml/2006/main">
   <p:cSld>
@@ -6901,47 +5994,12 @@
           <a:chExt cx="0" cy="0"/>
         </a:xfrm>
       </p:grpSpPr>
-      <p:pic>
-        <p:nvPicPr>
-          <p:cNvPr id="29" name="Content Placeholder 4">
+      <p:sp>
+        <p:nvSpPr>
+          <p:cNvPr id="9" name="Rectangle 8">
             <a:extLst>
               <a:ext uri="{FF2B5EF4-FFF2-40B4-BE49-F238E27FC236}">
-                <a16:creationId xmlns:a16="http://schemas.microsoft.com/office/drawing/2014/main" id="{C0D63D31-7E2A-4FD8-9EC1-7B329BC5D61C}"/>
-              </a:ext>
-            </a:extLst>
-          </p:cNvPr>
-          <p:cNvPicPr>
-            <a:picLocks noGrp="1" noChangeAspect="1"/>
-          </p:cNvPicPr>
-          <p:nvPr>
-            <p:ph idx="1"/>
-          </p:nvPr>
-        </p:nvPicPr>
-        <p:blipFill>
-          <a:blip r:embed="rId2">
-            <a:extLst>
-              <a:ext uri="{28A0092B-C50C-407E-A947-70E740481C1C}">
-                <a14:useLocalDpi xmlns:a14="http://schemas.microsoft.com/office/drawing/2010/main" val="0"/>
-              </a:ext>
-            </a:extLst>
-          </a:blip>
-          <a:stretch>
-            <a:fillRect/>
-          </a:stretch>
-        </p:blipFill>
-        <p:spPr>
-          <a:xfrm>
-            <a:off x="526791" y="649357"/>
-            <a:ext cx="3079127" cy="1632144"/>
-          </a:xfrm>
-        </p:spPr>
-      </p:pic>
-      <p:sp>
-        <p:nvSpPr>
-          <p:cNvPr id="30" name="Rectangle 29">
-            <a:extLst>
-              <a:ext uri="{FF2B5EF4-FFF2-40B4-BE49-F238E27FC236}">
-                <a16:creationId xmlns:a16="http://schemas.microsoft.com/office/drawing/2014/main" id="{106FC005-C9C5-4708-AB94-4E1D98D75A2C}"/>
+                <a16:creationId xmlns:a16="http://schemas.microsoft.com/office/drawing/2014/main" id="{1D74F2AE-F758-4ACF-B9F1-E17859504EA7}"/>
               </a:ext>
             </a:extLst>
           </p:cNvPr>
@@ -6950,53 +6008,47 @@
         </p:nvSpPr>
         <p:spPr>
           <a:xfrm>
-            <a:off x="3722199" y="803709"/>
-            <a:ext cx="8416792" cy="1323439"/>
+            <a:off x="6324598" y="1"/>
+            <a:ext cx="5867402" cy="6857999"/>
           </a:xfrm>
           <a:prstGeom prst="rect">
             <a:avLst/>
           </a:prstGeom>
-        </p:spPr>
-        <p:txBody>
-          <a:bodyPr wrap="square">
-            <a:spAutoFit/>
-          </a:bodyPr>
+          <a:solidFill>
+            <a:srgbClr val="006BC0"/>
+          </a:solidFill>
+        </p:spPr>
+        <p:style>
+          <a:lnRef idx="2">
+            <a:schemeClr val="accent1">
+              <a:shade val="50000"/>
+            </a:schemeClr>
+          </a:lnRef>
+          <a:fillRef idx="1">
+            <a:schemeClr val="accent1"/>
+          </a:fillRef>
+          <a:effectRef idx="0">
+            <a:schemeClr val="accent1"/>
+          </a:effectRef>
+          <a:fontRef idx="minor">
+            <a:schemeClr val="lt1"/>
+          </a:fontRef>
+        </p:style>
+        <p:txBody>
+          <a:bodyPr rtlCol="0" anchor="ctr"/>
           <a:lstStyle/>
           <a:p>
-            <a:r>
-              <a:rPr lang="en-GB" sz="4000" b="1" dirty="0">
-                <a:solidFill>
-                  <a:srgbClr val="002060"/>
-                </a:solidFill>
-                <a:latin typeface="Montserrat" panose="02000505000000020004" pitchFamily="2" charset="0"/>
-              </a:rPr>
-              <a:t>SCOTTISH POWERSHELL</a:t>
-            </a:r>
-          </a:p>
-          <a:p>
-            <a:r>
-              <a:rPr lang="en-GB" sz="4000" b="1" dirty="0">
-                <a:solidFill>
-                  <a:srgbClr val="002060"/>
-                </a:solidFill>
-                <a:latin typeface="Montserrat" panose="02000505000000020004" pitchFamily="2" charset="0"/>
-              </a:rPr>
-              <a:t>AND DEVOPS USER GROUP</a:t>
-            </a:r>
-            <a:endParaRPr lang="en-GB" sz="4000" b="1" dirty="0">
-              <a:solidFill>
-                <a:srgbClr val="002060"/>
-              </a:solidFill>
-            </a:endParaRPr>
-          </a:p>
-        </p:txBody>
-      </p:sp>
-      <p:sp>
-        <p:nvSpPr>
-          <p:cNvPr id="31" name="TextBox 30">
+            <a:pPr algn="ctr"/>
+            <a:endParaRPr lang="en-GB"/>
+          </a:p>
+        </p:txBody>
+      </p:sp>
+      <p:sp>
+        <p:nvSpPr>
+          <p:cNvPr id="10" name="TextBox 9">
             <a:extLst>
               <a:ext uri="{FF2B5EF4-FFF2-40B4-BE49-F238E27FC236}">
-                <a16:creationId xmlns:a16="http://schemas.microsoft.com/office/drawing/2014/main" id="{A7E3C652-A599-4E80-8B40-8E757E5DB8FA}"/>
+                <a16:creationId xmlns:a16="http://schemas.microsoft.com/office/drawing/2014/main" id="{4D72AE45-F6C9-49A9-821E-D43953CFAFBF}"/>
               </a:ext>
             </a:extLst>
           </p:cNvPr>
@@ -7005,8 +6057,8 @@
         </p:nvSpPr>
         <p:spPr>
           <a:xfrm>
-            <a:off x="4652154" y="2954729"/>
-            <a:ext cx="4549658" cy="584775"/>
+            <a:off x="426821" y="1947674"/>
+            <a:ext cx="5867402" cy="3170099"/>
           </a:xfrm>
           <a:prstGeom prst="rect">
             <a:avLst/>
@@ -7019,264 +6071,1125 @@
           </a:bodyPr>
           <a:lstStyle/>
           <a:p>
-            <a:pPr marL="228600" marR="0" lvl="1" indent="0" algn="l" defTabSz="457200" rtl="0" eaLnBrk="1" fontAlgn="auto" latinLnBrk="0" hangingPunct="1">
-              <a:lnSpc>
-                <a:spcPct val="100000"/>
-              </a:lnSpc>
-              <a:spcBef>
-                <a:spcPts val="0"/>
-              </a:spcBef>
-              <a:spcAft>
-                <a:spcPts val="0"/>
-              </a:spcAft>
-              <a:buClrTx/>
-              <a:buSzTx/>
-              <a:buFontTx/>
-              <a:buNone/>
-              <a:tabLst/>
-              <a:defRPr/>
-            </a:pPr>
-            <a:r>
-              <a:rPr kumimoji="0" lang="en-GB" sz="3200" b="1" i="0" u="none" strike="noStrike" kern="1200" cap="none" spc="0" normalizeH="0" baseline="0" noProof="0" dirty="0" err="1">
-                <a:ln>
-                  <a:noFill/>
-                </a:ln>
-                <a:effectLst/>
-                <a:uLnTx/>
-                <a:uFillTx/>
+            <a:r>
+              <a:rPr lang="en-GB" sz="4000" dirty="0">
                 <a:latin typeface="Montserrat" panose="02000505000000020004" pitchFamily="2" charset="0"/>
-                <a:ea typeface="+mn-ea"/>
-                <a:cs typeface="+mn-cs"/>
               </a:rPr>
-              <a:t>psdevopsug.scot</a:t>
-            </a:r>
-            <a:endParaRPr kumimoji="0" lang="en-GB" sz="3200" b="1" i="0" u="none" strike="noStrike" kern="1200" cap="none" spc="0" normalizeH="0" baseline="0" noProof="0" dirty="0">
-              <a:ln>
-                <a:noFill/>
-              </a:ln>
-              <a:effectLst/>
-              <a:uLnTx/>
-              <a:uFillTx/>
-              <a:latin typeface="Montserrat" panose="02000505000000020004" pitchFamily="2" charset="0"/>
-              <a:ea typeface="+mn-ea"/>
-              <a:cs typeface="+mn-cs"/>
-            </a:endParaRPr>
-          </a:p>
-        </p:txBody>
-      </p:sp>
-      <p:pic>
-        <p:nvPicPr>
-          <p:cNvPr id="32" name="Graphic 31">
+              <a:t>Started May 2017</a:t>
+            </a:r>
+          </a:p>
+          <a:p>
+            <a:r>
+              <a:rPr lang="en-GB" sz="4000" dirty="0">
+                <a:latin typeface="Montserrat" panose="02000505000000020004" pitchFamily="2" charset="0"/>
+              </a:rPr>
+              <a:t>19 Talks</a:t>
+            </a:r>
+          </a:p>
+          <a:p>
+            <a:r>
+              <a:rPr lang="en-GB" sz="4000" dirty="0">
+                <a:latin typeface="Montserrat" panose="02000505000000020004" pitchFamily="2" charset="0"/>
+              </a:rPr>
+              <a:t>16 Unique Speakers</a:t>
+            </a:r>
+          </a:p>
+          <a:p>
+            <a:r>
+              <a:rPr lang="en-GB" sz="4000" dirty="0">
+                <a:latin typeface="Montserrat" panose="02000505000000020004" pitchFamily="2" charset="0"/>
+              </a:rPr>
+              <a:t>13 Meetups</a:t>
+            </a:r>
+          </a:p>
+          <a:p>
+            <a:r>
+              <a:rPr lang="en-GB" sz="4000" dirty="0">
+                <a:latin typeface="Montserrat" panose="02000505000000020004" pitchFamily="2" charset="0"/>
+              </a:rPr>
+              <a:t>2 Workshops</a:t>
+            </a:r>
+          </a:p>
+        </p:txBody>
+      </p:sp>
+      <p:sp>
+        <p:nvSpPr>
+          <p:cNvPr id="12" name="TextBox 11">
             <a:extLst>
               <a:ext uri="{FF2B5EF4-FFF2-40B4-BE49-F238E27FC236}">
-                <a16:creationId xmlns:a16="http://schemas.microsoft.com/office/drawing/2014/main" id="{CAABCA75-1484-4B07-BCA3-19276D4D9D4E}"/>
+                <a16:creationId xmlns:a16="http://schemas.microsoft.com/office/drawing/2014/main" id="{4D78F657-32C8-4438-90E0-391790433DF3}"/>
               </a:ext>
             </a:extLst>
           </p:cNvPr>
-          <p:cNvPicPr>
-            <a:picLocks noChangeAspect="1"/>
-          </p:cNvPicPr>
+          <p:cNvSpPr txBox="1"/>
           <p:nvPr/>
-        </p:nvPicPr>
-        <p:blipFill>
-          <a:blip r:embed="rId3">
-            <a:extLst>
-              <a:ext uri="{28A0092B-C50C-407E-A947-70E740481C1C}">
-                <a14:useLocalDpi xmlns:a14="http://schemas.microsoft.com/office/drawing/2010/main" val="0"/>
-              </a:ext>
-              <a:ext uri="{96DAC541-7B7A-43D3-8B79-37D633B846F1}">
-                <asvg:svgBlip xmlns:asvg="http://schemas.microsoft.com/office/drawing/2016/SVG/main" r:embed="rId4"/>
-              </a:ext>
-            </a:extLst>
-          </a:blip>
-          <a:stretch>
-            <a:fillRect/>
-          </a:stretch>
-        </p:blipFill>
+        </p:nvSpPr>
         <p:spPr>
           <a:xfrm>
-            <a:off x="3931733" y="3004759"/>
-            <a:ext cx="603231" cy="536206"/>
-          </a:xfrm>
-          <a:prstGeom prst="rect">
-            <a:avLst/>
-          </a:prstGeom>
-        </p:spPr>
-      </p:pic>
-      <p:pic>
-        <p:nvPicPr>
-          <p:cNvPr id="33" name="Picture 4" descr="https://designshack.net/wp-content/uploads/larrybird-2.jpg">
-            <a:extLst>
-              <a:ext uri="{FF2B5EF4-FFF2-40B4-BE49-F238E27FC236}">
-                <a16:creationId xmlns:a16="http://schemas.microsoft.com/office/drawing/2014/main" id="{E6D40988-CD2B-44D0-9FD6-8A5E418E3CA6}"/>
-              </a:ext>
-            </a:extLst>
-          </p:cNvPr>
-          <p:cNvPicPr>
-            <a:picLocks noChangeAspect="1" noChangeArrowheads="1"/>
-          </p:cNvPicPr>
-          <p:nvPr/>
-        </p:nvPicPr>
-        <p:blipFill>
-          <a:blip r:embed="rId5" cstate="print">
-            <a:extLst>
-              <a:ext uri="{28A0092B-C50C-407E-A947-70E740481C1C}">
-                <a14:useLocalDpi xmlns:a14="http://schemas.microsoft.com/office/drawing/2010/main" val="0"/>
-              </a:ext>
-            </a:extLst>
-          </a:blip>
-          <a:srcRect/>
-          <a:stretch>
-            <a:fillRect/>
-          </a:stretch>
-        </p:blipFill>
-        <p:spPr bwMode="auto">
-          <a:xfrm>
-            <a:off x="3938012" y="3953213"/>
-            <a:ext cx="653448" cy="461258"/>
+            <a:off x="7070036" y="3724189"/>
+            <a:ext cx="2577548" cy="707886"/>
           </a:xfrm>
           <a:prstGeom prst="rect">
             <a:avLst/>
           </a:prstGeom>
           <a:noFill/>
-          <a:extLst>
-            <a:ext uri="{909E8E84-426E-40DD-AFC4-6F175D3DCCD1}">
-              <a14:hiddenFill xmlns:a14="http://schemas.microsoft.com/office/drawing/2010/main">
-                <a:solidFill>
-                  <a:srgbClr val="FFFFFF"/>
-                </a:solidFill>
-              </a14:hiddenFill>
-            </a:ext>
-          </a:extLst>
-        </p:spPr>
-      </p:pic>
-      <p:sp>
-        <p:nvSpPr>
-          <p:cNvPr id="34" name="Rectangle 33">
+        </p:spPr>
+        <p:txBody>
+          <a:bodyPr wrap="square" rtlCol="0">
+            <a:spAutoFit/>
+          </a:bodyPr>
+          <a:lstStyle/>
+          <a:p>
+            <a:r>
+              <a:rPr lang="en-GB" sz="4000" dirty="0">
+                <a:solidFill>
+                  <a:schemeClr val="accent1">
+                    <a:lumMod val="20000"/>
+                    <a:lumOff val="80000"/>
+                  </a:schemeClr>
+                </a:solidFill>
+                <a:latin typeface="Montserrat" panose="02000505000000020004" pitchFamily="2" charset="0"/>
+              </a:rPr>
+              <a:t>Scotland</a:t>
+            </a:r>
+          </a:p>
+        </p:txBody>
+      </p:sp>
+      <p:sp>
+        <p:nvSpPr>
+          <p:cNvPr id="13" name="TextBox 12">
             <a:extLst>
               <a:ext uri="{FF2B5EF4-FFF2-40B4-BE49-F238E27FC236}">
-                <a16:creationId xmlns:a16="http://schemas.microsoft.com/office/drawing/2014/main" id="{7297B85C-1631-4D1A-A704-F8EDE1B91465}"/>
+                <a16:creationId xmlns:a16="http://schemas.microsoft.com/office/drawing/2014/main" id="{4AEEC3A6-FB9E-4E16-8487-08C30D44C6D8}"/>
               </a:ext>
             </a:extLst>
           </p:cNvPr>
-          <p:cNvSpPr/>
+          <p:cNvSpPr txBox="1"/>
           <p:nvPr/>
         </p:nvSpPr>
         <p:spPr>
           <a:xfrm>
-            <a:off x="4534964" y="3903271"/>
-            <a:ext cx="4147697" cy="584775"/>
+            <a:off x="7349987" y="5043889"/>
+            <a:ext cx="1239077" cy="369332"/>
           </a:xfrm>
           <a:prstGeom prst="rect">
             <a:avLst/>
           </a:prstGeom>
-        </p:spPr>
-        <p:txBody>
-          <a:bodyPr wrap="square">
+          <a:noFill/>
+        </p:spPr>
+        <p:txBody>
+          <a:bodyPr wrap="square" rtlCol="0">
             <a:spAutoFit/>
           </a:bodyPr>
           <a:lstStyle/>
           <a:p>
-            <a:pPr marL="228600" lvl="1" defTabSz="457200">
-              <a:defRPr/>
-            </a:pPr>
-            <a:r>
-              <a:rPr lang="en-GB" sz="3200" b="1" dirty="0">
-                <a:solidFill>
-                  <a:srgbClr val="28A9E0"/>
+            <a:r>
+              <a:rPr lang="en-GB" dirty="0">
+                <a:solidFill>
+                  <a:schemeClr val="accent6">
+                    <a:lumMod val="40000"/>
+                    <a:lumOff val="60000"/>
+                  </a:schemeClr>
                 </a:solidFill>
                 <a:latin typeface="Montserrat" panose="02000505000000020004" pitchFamily="2" charset="0"/>
               </a:rPr>
-              <a:t>@scotpsug</a:t>
-            </a:r>
-          </a:p>
-        </p:txBody>
-      </p:sp>
-      <p:sp>
-        <p:nvSpPr>
-          <p:cNvPr id="35" name="Rectangle 34">
+              <a:t>England</a:t>
+            </a:r>
+          </a:p>
+        </p:txBody>
+      </p:sp>
+      <p:sp>
+        <p:nvSpPr>
+          <p:cNvPr id="14" name="TextBox 13">
             <a:extLst>
               <a:ext uri="{FF2B5EF4-FFF2-40B4-BE49-F238E27FC236}">
-                <a16:creationId xmlns:a16="http://schemas.microsoft.com/office/drawing/2014/main" id="{216773F5-042E-4110-A463-86043E4F3EA3}"/>
+                <a16:creationId xmlns:a16="http://schemas.microsoft.com/office/drawing/2014/main" id="{55F91D1E-8347-4BEC-82DB-ADE10C9A68A4}"/>
               </a:ext>
             </a:extLst>
           </p:cNvPr>
-          <p:cNvSpPr/>
+          <p:cNvSpPr txBox="1"/>
           <p:nvPr/>
         </p:nvSpPr>
         <p:spPr>
           <a:xfrm>
-            <a:off x="4508203" y="4900207"/>
-            <a:ext cx="6365845" cy="646331"/>
+            <a:off x="6884975" y="5353475"/>
+            <a:ext cx="2405268" cy="646331"/>
           </a:xfrm>
           <a:prstGeom prst="rect">
             <a:avLst/>
           </a:prstGeom>
-        </p:spPr>
-        <p:txBody>
-          <a:bodyPr wrap="none">
+          <a:noFill/>
+        </p:spPr>
+        <p:txBody>
+          <a:bodyPr wrap="square" rtlCol="0">
             <a:spAutoFit/>
           </a:bodyPr>
           <a:lstStyle/>
           <a:p>
-            <a:pPr marL="228600" lvl="1" defTabSz="457200">
-              <a:defRPr/>
-            </a:pPr>
-            <a:r>
-              <a:rPr lang="en-GB" sz="3600" b="1" dirty="0" err="1">
-                <a:solidFill>
-                  <a:srgbClr val="C00000"/>
+            <a:r>
+              <a:rPr lang="en-GB" sz="3600" dirty="0">
+                <a:solidFill>
+                  <a:schemeClr val="accent1">
+                    <a:lumMod val="20000"/>
+                    <a:lumOff val="80000"/>
+                  </a:schemeClr>
                 </a:solidFill>
                 <a:latin typeface="Montserrat" panose="02000505000000020004" pitchFamily="2" charset="0"/>
               </a:rPr>
-              <a:t>meetup.psdevopsug.scot</a:t>
-            </a:r>
-            <a:endParaRPr lang="en-GB" sz="3600" b="1" dirty="0">
+              <a:t>Nebraska</a:t>
+            </a:r>
+          </a:p>
+        </p:txBody>
+      </p:sp>
+      <p:sp>
+        <p:nvSpPr>
+          <p:cNvPr id="15" name="TextBox 14">
+            <a:extLst>
+              <a:ext uri="{FF2B5EF4-FFF2-40B4-BE49-F238E27FC236}">
+                <a16:creationId xmlns:a16="http://schemas.microsoft.com/office/drawing/2014/main" id="{620EDBA4-747D-4294-8568-55E164510F50}"/>
+              </a:ext>
+            </a:extLst>
+          </p:cNvPr>
+          <p:cNvSpPr txBox="1"/>
+          <p:nvPr/>
+        </p:nvSpPr>
+        <p:spPr>
+          <a:xfrm>
+            <a:off x="9448801" y="4223431"/>
+            <a:ext cx="2941983" cy="584775"/>
+          </a:xfrm>
+          <a:prstGeom prst="rect">
+            <a:avLst/>
+          </a:prstGeom>
+          <a:noFill/>
+        </p:spPr>
+        <p:txBody>
+          <a:bodyPr wrap="square" rtlCol="0">
+            <a:spAutoFit/>
+          </a:bodyPr>
+          <a:lstStyle/>
+          <a:p>
+            <a:r>
+              <a:rPr lang="en-GB" sz="3200" dirty="0">
+                <a:solidFill>
+                  <a:srgbClr val="FFC000"/>
+                </a:solidFill>
+                <a:latin typeface="Montserrat" panose="02000505000000020004" pitchFamily="2" charset="0"/>
+              </a:rPr>
+              <a:t>Netherlands</a:t>
+            </a:r>
+          </a:p>
+        </p:txBody>
+      </p:sp>
+      <p:sp>
+        <p:nvSpPr>
+          <p:cNvPr id="16" name="TextBox 15">
+            <a:extLst>
+              <a:ext uri="{FF2B5EF4-FFF2-40B4-BE49-F238E27FC236}">
+                <a16:creationId xmlns:a16="http://schemas.microsoft.com/office/drawing/2014/main" id="{E3A6B0A7-3A1B-4298-9F91-5ACD8A0CF444}"/>
+              </a:ext>
+            </a:extLst>
+          </p:cNvPr>
+          <p:cNvSpPr txBox="1"/>
+          <p:nvPr/>
+        </p:nvSpPr>
+        <p:spPr>
+          <a:xfrm>
+            <a:off x="10143290" y="5644073"/>
+            <a:ext cx="1795462" cy="523220"/>
+          </a:xfrm>
+          <a:prstGeom prst="rect">
+            <a:avLst/>
+          </a:prstGeom>
+          <a:noFill/>
+        </p:spPr>
+        <p:txBody>
+          <a:bodyPr wrap="square" rtlCol="0">
+            <a:spAutoFit/>
+          </a:bodyPr>
+          <a:lstStyle/>
+          <a:p>
+            <a:r>
+              <a:rPr lang="en-GB" sz="2800" dirty="0">
+                <a:solidFill>
+                  <a:schemeClr val="bg1"/>
+                </a:solidFill>
+                <a:latin typeface="Montserrat" panose="02000505000000020004" pitchFamily="2" charset="0"/>
+              </a:rPr>
+              <a:t>Sweden</a:t>
+            </a:r>
+            <a:endParaRPr lang="en-GB" sz="2000" dirty="0">
               <a:solidFill>
-                <a:srgbClr val="C00000"/>
+                <a:schemeClr val="bg1"/>
               </a:solidFill>
               <a:latin typeface="Montserrat" panose="02000505000000020004" pitchFamily="2" charset="0"/>
             </a:endParaRPr>
           </a:p>
         </p:txBody>
       </p:sp>
-      <p:pic>
-        <p:nvPicPr>
-          <p:cNvPr id="36" name="Picture 35">
+      <p:sp>
+        <p:nvSpPr>
+          <p:cNvPr id="17" name="TextBox 16">
             <a:extLst>
               <a:ext uri="{FF2B5EF4-FFF2-40B4-BE49-F238E27FC236}">
-                <a16:creationId xmlns:a16="http://schemas.microsoft.com/office/drawing/2014/main" id="{BA6D9216-1997-4621-AF9E-BA134685CBF7}"/>
+                <a16:creationId xmlns:a16="http://schemas.microsoft.com/office/drawing/2014/main" id="{8A026211-5AB3-4371-B162-74D2E6996CD4}"/>
               </a:ext>
             </a:extLst>
           </p:cNvPr>
-          <p:cNvPicPr>
-            <a:picLocks noChangeAspect="1"/>
-          </p:cNvPicPr>
+          <p:cNvSpPr txBox="1"/>
           <p:nvPr/>
-        </p:nvPicPr>
-        <p:blipFill>
-          <a:blip r:embed="rId6"/>
-          <a:stretch>
-            <a:fillRect/>
-          </a:stretch>
-        </p:blipFill>
+        </p:nvSpPr>
         <p:spPr>
           <a:xfrm>
-            <a:off x="3845000" y="4908845"/>
-            <a:ext cx="689964" cy="661659"/>
+            <a:off x="9454217" y="6202589"/>
+            <a:ext cx="2339008" cy="461665"/>
           </a:xfrm>
           <a:prstGeom prst="rect">
             <a:avLst/>
           </a:prstGeom>
-          <a:solidFill>
-            <a:srgbClr val="C00000"/>
-          </a:solidFill>
-        </p:spPr>
-      </p:pic>
+          <a:noFill/>
+        </p:spPr>
+        <p:txBody>
+          <a:bodyPr wrap="square" rtlCol="0">
+            <a:spAutoFit/>
+          </a:bodyPr>
+          <a:lstStyle/>
+          <a:p>
+            <a:r>
+              <a:rPr lang="en-GB" sz="2400" dirty="0">
+                <a:solidFill>
+                  <a:schemeClr val="bg1"/>
+                </a:solidFill>
+                <a:latin typeface="Montserrat" panose="02000505000000020004" pitchFamily="2" charset="0"/>
+              </a:rPr>
+              <a:t>New Zealand</a:t>
+            </a:r>
+          </a:p>
+        </p:txBody>
+      </p:sp>
+      <p:sp>
+        <p:nvSpPr>
+          <p:cNvPr id="18" name="TextBox 17">
+            <a:extLst>
+              <a:ext uri="{FF2B5EF4-FFF2-40B4-BE49-F238E27FC236}">
+                <a16:creationId xmlns:a16="http://schemas.microsoft.com/office/drawing/2014/main" id="{BA34AFF3-328F-477D-9346-CF5B267743A0}"/>
+              </a:ext>
+            </a:extLst>
+          </p:cNvPr>
+          <p:cNvSpPr txBox="1"/>
+          <p:nvPr/>
+        </p:nvSpPr>
+        <p:spPr>
+          <a:xfrm>
+            <a:off x="9290243" y="4923603"/>
+            <a:ext cx="1941443" cy="584775"/>
+          </a:xfrm>
+          <a:prstGeom prst="rect">
+            <a:avLst/>
+          </a:prstGeom>
+          <a:noFill/>
+        </p:spPr>
+        <p:txBody>
+          <a:bodyPr wrap="square" rtlCol="0">
+            <a:spAutoFit/>
+          </a:bodyPr>
+          <a:lstStyle/>
+          <a:p>
+            <a:r>
+              <a:rPr lang="en-GB" sz="3200" dirty="0">
+                <a:solidFill>
+                  <a:schemeClr val="accent4">
+                    <a:lumMod val="60000"/>
+                    <a:lumOff val="40000"/>
+                  </a:schemeClr>
+                </a:solidFill>
+                <a:latin typeface="Montserrat" panose="02000505000000020004" pitchFamily="2" charset="0"/>
+              </a:rPr>
+              <a:t>Belgium</a:t>
+            </a:r>
+            <a:endParaRPr lang="en-GB" sz="4000" dirty="0">
+              <a:solidFill>
+                <a:schemeClr val="accent4">
+                  <a:lumMod val="60000"/>
+                  <a:lumOff val="40000"/>
+                </a:schemeClr>
+              </a:solidFill>
+              <a:latin typeface="Montserrat" panose="02000505000000020004" pitchFamily="2" charset="0"/>
+            </a:endParaRPr>
+          </a:p>
+        </p:txBody>
+      </p:sp>
+      <p:sp>
+        <p:nvSpPr>
+          <p:cNvPr id="19" name="TextBox 18">
+            <a:extLst>
+              <a:ext uri="{FF2B5EF4-FFF2-40B4-BE49-F238E27FC236}">
+                <a16:creationId xmlns:a16="http://schemas.microsoft.com/office/drawing/2014/main" id="{FABCD297-E707-4C27-B9EB-BBE862DF86E5}"/>
+              </a:ext>
+            </a:extLst>
+          </p:cNvPr>
+          <p:cNvSpPr txBox="1"/>
+          <p:nvPr/>
+        </p:nvSpPr>
+        <p:spPr>
+          <a:xfrm>
+            <a:off x="9811527" y="3805673"/>
+            <a:ext cx="1374914" cy="400110"/>
+          </a:xfrm>
+          <a:prstGeom prst="rect">
+            <a:avLst/>
+          </a:prstGeom>
+          <a:noFill/>
+        </p:spPr>
+        <p:txBody>
+          <a:bodyPr wrap="square" rtlCol="0">
+            <a:spAutoFit/>
+          </a:bodyPr>
+          <a:lstStyle/>
+          <a:p>
+            <a:r>
+              <a:rPr lang="en-GB" sz="2000" dirty="0">
+                <a:solidFill>
+                  <a:schemeClr val="accent6">
+                    <a:lumMod val="40000"/>
+                    <a:lumOff val="60000"/>
+                  </a:schemeClr>
+                </a:solidFill>
+                <a:latin typeface="Montserrat" panose="02000505000000020004" pitchFamily="2" charset="0"/>
+              </a:rPr>
+              <a:t>Missouri</a:t>
+            </a:r>
+            <a:endParaRPr lang="en-GB" sz="4000" dirty="0">
+              <a:solidFill>
+                <a:schemeClr val="accent6">
+                  <a:lumMod val="40000"/>
+                  <a:lumOff val="60000"/>
+                </a:schemeClr>
+              </a:solidFill>
+              <a:latin typeface="Montserrat" panose="02000505000000020004" pitchFamily="2" charset="0"/>
+            </a:endParaRPr>
+          </a:p>
+        </p:txBody>
+      </p:sp>
+      <p:sp>
+        <p:nvSpPr>
+          <p:cNvPr id="20" name="TextBox 19">
+            <a:extLst>
+              <a:ext uri="{FF2B5EF4-FFF2-40B4-BE49-F238E27FC236}">
+                <a16:creationId xmlns:a16="http://schemas.microsoft.com/office/drawing/2014/main" id="{728D5CF8-08CE-4198-9668-303B29C86663}"/>
+              </a:ext>
+            </a:extLst>
+          </p:cNvPr>
+          <p:cNvSpPr txBox="1"/>
+          <p:nvPr/>
+        </p:nvSpPr>
+        <p:spPr>
+          <a:xfrm>
+            <a:off x="6583524" y="6261236"/>
+            <a:ext cx="2932046" cy="523220"/>
+          </a:xfrm>
+          <a:prstGeom prst="rect">
+            <a:avLst/>
+          </a:prstGeom>
+          <a:noFill/>
+        </p:spPr>
+        <p:txBody>
+          <a:bodyPr wrap="square" rtlCol="0">
+            <a:spAutoFit/>
+          </a:bodyPr>
+          <a:lstStyle/>
+          <a:p>
+            <a:r>
+              <a:rPr lang="en-GB" sz="2800" dirty="0">
+                <a:solidFill>
+                  <a:srgbClr val="00B050"/>
+                </a:solidFill>
+                <a:latin typeface="Montserrat" panose="02000505000000020004" pitchFamily="2" charset="0"/>
+              </a:rPr>
+              <a:t>Massachusetts</a:t>
+            </a:r>
+          </a:p>
+        </p:txBody>
+      </p:sp>
+      <p:sp>
+        <p:nvSpPr>
+          <p:cNvPr id="21" name="TextBox 20">
+            <a:extLst>
+              <a:ext uri="{FF2B5EF4-FFF2-40B4-BE49-F238E27FC236}">
+                <a16:creationId xmlns:a16="http://schemas.microsoft.com/office/drawing/2014/main" id="{743ADFAB-A532-42BB-994C-8C22DE148A69}"/>
+              </a:ext>
+            </a:extLst>
+          </p:cNvPr>
+          <p:cNvSpPr txBox="1"/>
+          <p:nvPr/>
+        </p:nvSpPr>
+        <p:spPr>
+          <a:xfrm>
+            <a:off x="6380921" y="4372184"/>
+            <a:ext cx="2405268" cy="646331"/>
+          </a:xfrm>
+          <a:prstGeom prst="rect">
+            <a:avLst/>
+          </a:prstGeom>
+          <a:noFill/>
+        </p:spPr>
+        <p:txBody>
+          <a:bodyPr wrap="square" rtlCol="0">
+            <a:spAutoFit/>
+          </a:bodyPr>
+          <a:lstStyle/>
+          <a:p>
+            <a:r>
+              <a:rPr lang="en-GB" sz="3600" dirty="0">
+                <a:solidFill>
+                  <a:schemeClr val="accent4">
+                    <a:lumMod val="60000"/>
+                    <a:lumOff val="40000"/>
+                  </a:schemeClr>
+                </a:solidFill>
+                <a:latin typeface="Montserrat" panose="02000505000000020004" pitchFamily="2" charset="0"/>
+              </a:rPr>
+              <a:t>Germany</a:t>
+            </a:r>
+          </a:p>
+        </p:txBody>
+      </p:sp>
+      <p:sp>
+        <p:nvSpPr>
+          <p:cNvPr id="45" name="TextBox 44">
+            <a:extLst>
+              <a:ext uri="{FF2B5EF4-FFF2-40B4-BE49-F238E27FC236}">
+                <a16:creationId xmlns:a16="http://schemas.microsoft.com/office/drawing/2014/main" id="{5DA771E7-D963-4100-854B-781D25835E9C}"/>
+              </a:ext>
+            </a:extLst>
+          </p:cNvPr>
+          <p:cNvSpPr txBox="1"/>
+          <p:nvPr/>
+        </p:nvSpPr>
+        <p:spPr>
+          <a:xfrm>
+            <a:off x="6583524" y="52916"/>
+            <a:ext cx="3116648" cy="707886"/>
+          </a:xfrm>
+          <a:prstGeom prst="rect">
+            <a:avLst/>
+          </a:prstGeom>
+          <a:noFill/>
+        </p:spPr>
+        <p:txBody>
+          <a:bodyPr wrap="square" rtlCol="0">
+            <a:spAutoFit/>
+          </a:bodyPr>
+          <a:lstStyle/>
+          <a:p>
+            <a:r>
+              <a:rPr lang="en-GB" sz="4000" dirty="0">
+                <a:solidFill>
+                  <a:srgbClr val="00B0F0"/>
+                </a:solidFill>
+                <a:latin typeface="Montserrat" panose="02000505000000020004" pitchFamily="2" charset="0"/>
+              </a:rPr>
+              <a:t>PowerShell</a:t>
+            </a:r>
+          </a:p>
+        </p:txBody>
+      </p:sp>
+      <p:sp>
+        <p:nvSpPr>
+          <p:cNvPr id="46" name="TextBox 45">
+            <a:extLst>
+              <a:ext uri="{FF2B5EF4-FFF2-40B4-BE49-F238E27FC236}">
+                <a16:creationId xmlns:a16="http://schemas.microsoft.com/office/drawing/2014/main" id="{630365AB-1151-4E47-A4C5-F00B0645B098}"/>
+              </a:ext>
+            </a:extLst>
+          </p:cNvPr>
+          <p:cNvSpPr txBox="1"/>
+          <p:nvPr/>
+        </p:nvSpPr>
+        <p:spPr>
+          <a:xfrm>
+            <a:off x="6468831" y="1108090"/>
+            <a:ext cx="1047393" cy="523220"/>
+          </a:xfrm>
+          <a:prstGeom prst="rect">
+            <a:avLst/>
+          </a:prstGeom>
+          <a:noFill/>
+        </p:spPr>
+        <p:txBody>
+          <a:bodyPr wrap="square" rtlCol="0">
+            <a:spAutoFit/>
+          </a:bodyPr>
+          <a:lstStyle/>
+          <a:p>
+            <a:r>
+              <a:rPr lang="en-GB" sz="2800" dirty="0">
+                <a:solidFill>
+                  <a:srgbClr val="FFFF00"/>
+                </a:solidFill>
+                <a:latin typeface="Montserrat" panose="02000505000000020004" pitchFamily="2" charset="0"/>
+              </a:rPr>
+              <a:t>DSC</a:t>
+            </a:r>
+            <a:endParaRPr lang="en-GB" dirty="0">
+              <a:solidFill>
+                <a:srgbClr val="FFFF00"/>
+              </a:solidFill>
+              <a:latin typeface="Montserrat" panose="02000505000000020004" pitchFamily="2" charset="0"/>
+            </a:endParaRPr>
+          </a:p>
+        </p:txBody>
+      </p:sp>
+      <p:sp>
+        <p:nvSpPr>
+          <p:cNvPr id="47" name="TextBox 46">
+            <a:extLst>
+              <a:ext uri="{FF2B5EF4-FFF2-40B4-BE49-F238E27FC236}">
+                <a16:creationId xmlns:a16="http://schemas.microsoft.com/office/drawing/2014/main" id="{74BD0CB9-C2A3-4653-95B0-7C8EFC9E9DA5}"/>
+              </a:ext>
+            </a:extLst>
+          </p:cNvPr>
+          <p:cNvSpPr txBox="1"/>
+          <p:nvPr/>
+        </p:nvSpPr>
+        <p:spPr>
+          <a:xfrm>
+            <a:off x="6384742" y="1932786"/>
+            <a:ext cx="2674879" cy="461665"/>
+          </a:xfrm>
+          <a:prstGeom prst="rect">
+            <a:avLst/>
+          </a:prstGeom>
+          <a:noFill/>
+        </p:spPr>
+        <p:txBody>
+          <a:bodyPr wrap="square" rtlCol="0">
+            <a:spAutoFit/>
+          </a:bodyPr>
+          <a:lstStyle/>
+          <a:p>
+            <a:r>
+              <a:rPr lang="en-GB" sz="2400" dirty="0">
+                <a:solidFill>
+                  <a:srgbClr val="00B0F0"/>
+                </a:solidFill>
+                <a:latin typeface="Montserrat" panose="02000505000000020004" pitchFamily="2" charset="0"/>
+              </a:rPr>
+              <a:t>Standards</a:t>
+            </a:r>
+            <a:endParaRPr lang="en-GB" sz="3600" dirty="0">
+              <a:solidFill>
+                <a:srgbClr val="00B0F0"/>
+              </a:solidFill>
+              <a:latin typeface="Montserrat" panose="02000505000000020004" pitchFamily="2" charset="0"/>
+            </a:endParaRPr>
+          </a:p>
+        </p:txBody>
+      </p:sp>
+      <p:sp>
+        <p:nvSpPr>
+          <p:cNvPr id="48" name="TextBox 47">
+            <a:extLst>
+              <a:ext uri="{FF2B5EF4-FFF2-40B4-BE49-F238E27FC236}">
+                <a16:creationId xmlns:a16="http://schemas.microsoft.com/office/drawing/2014/main" id="{9F36F914-C61A-4491-9582-630151BD24C3}"/>
+              </a:ext>
+            </a:extLst>
+          </p:cNvPr>
+          <p:cNvSpPr txBox="1"/>
+          <p:nvPr/>
+        </p:nvSpPr>
+        <p:spPr>
+          <a:xfrm>
+            <a:off x="7521256" y="746113"/>
+            <a:ext cx="3383083" cy="584775"/>
+          </a:xfrm>
+          <a:prstGeom prst="rect">
+            <a:avLst/>
+          </a:prstGeom>
+          <a:noFill/>
+        </p:spPr>
+        <p:txBody>
+          <a:bodyPr wrap="square" rtlCol="0">
+            <a:spAutoFit/>
+          </a:bodyPr>
+          <a:lstStyle/>
+          <a:p>
+            <a:r>
+              <a:rPr lang="en-GB" sz="3200" dirty="0">
+                <a:solidFill>
+                  <a:srgbClr val="FFC000"/>
+                </a:solidFill>
+                <a:latin typeface="Montserrat" panose="02000505000000020004" pitchFamily="2" charset="0"/>
+              </a:rPr>
+              <a:t>Module Design</a:t>
+            </a:r>
+          </a:p>
+        </p:txBody>
+      </p:sp>
+      <p:sp>
+        <p:nvSpPr>
+          <p:cNvPr id="49" name="TextBox 48">
+            <a:extLst>
+              <a:ext uri="{FF2B5EF4-FFF2-40B4-BE49-F238E27FC236}">
+                <a16:creationId xmlns:a16="http://schemas.microsoft.com/office/drawing/2014/main" id="{D8A31CEC-1252-4D15-8386-560CF10568C9}"/>
+              </a:ext>
+            </a:extLst>
+          </p:cNvPr>
+          <p:cNvSpPr txBox="1"/>
+          <p:nvPr/>
+        </p:nvSpPr>
+        <p:spPr>
+          <a:xfrm>
+            <a:off x="7779784" y="2347446"/>
+            <a:ext cx="898544" cy="461665"/>
+          </a:xfrm>
+          <a:prstGeom prst="rect">
+            <a:avLst/>
+          </a:prstGeom>
+          <a:noFill/>
+        </p:spPr>
+        <p:txBody>
+          <a:bodyPr wrap="square" rtlCol="0">
+            <a:spAutoFit/>
+          </a:bodyPr>
+          <a:lstStyle/>
+          <a:p>
+            <a:r>
+              <a:rPr lang="en-GB" sz="2400" dirty="0">
+                <a:solidFill>
+                  <a:srgbClr val="FFFF00"/>
+                </a:solidFill>
+                <a:latin typeface="Montserrat" panose="02000505000000020004" pitchFamily="2" charset="0"/>
+              </a:rPr>
+              <a:t>Git</a:t>
+            </a:r>
+          </a:p>
+        </p:txBody>
+      </p:sp>
+      <p:sp>
+        <p:nvSpPr>
+          <p:cNvPr id="50" name="TextBox 49">
+            <a:extLst>
+              <a:ext uri="{FF2B5EF4-FFF2-40B4-BE49-F238E27FC236}">
+                <a16:creationId xmlns:a16="http://schemas.microsoft.com/office/drawing/2014/main" id="{86133F91-20DF-4307-907F-F261B0946558}"/>
+              </a:ext>
+            </a:extLst>
+          </p:cNvPr>
+          <p:cNvSpPr txBox="1"/>
+          <p:nvPr/>
+        </p:nvSpPr>
+        <p:spPr>
+          <a:xfrm>
+            <a:off x="9142318" y="2342376"/>
+            <a:ext cx="1132270" cy="461665"/>
+          </a:xfrm>
+          <a:prstGeom prst="rect">
+            <a:avLst/>
+          </a:prstGeom>
+          <a:noFill/>
+        </p:spPr>
+        <p:txBody>
+          <a:bodyPr wrap="square" rtlCol="0">
+            <a:spAutoFit/>
+          </a:bodyPr>
+          <a:lstStyle/>
+          <a:p>
+            <a:r>
+              <a:rPr lang="en-GB" sz="2400" dirty="0">
+                <a:latin typeface="Montserrat" panose="02000505000000020004" pitchFamily="2" charset="0"/>
+              </a:rPr>
+              <a:t>Azure</a:t>
+            </a:r>
+          </a:p>
+        </p:txBody>
+      </p:sp>
+      <p:sp>
+        <p:nvSpPr>
+          <p:cNvPr id="51" name="TextBox 50">
+            <a:extLst>
+              <a:ext uri="{FF2B5EF4-FFF2-40B4-BE49-F238E27FC236}">
+                <a16:creationId xmlns:a16="http://schemas.microsoft.com/office/drawing/2014/main" id="{5E47B2B0-7BF1-48CE-85C2-58F6EEF5D219}"/>
+              </a:ext>
+            </a:extLst>
+          </p:cNvPr>
+          <p:cNvSpPr txBox="1"/>
+          <p:nvPr/>
+        </p:nvSpPr>
+        <p:spPr>
+          <a:xfrm>
+            <a:off x="8552589" y="1179725"/>
+            <a:ext cx="2932046" cy="584775"/>
+          </a:xfrm>
+          <a:prstGeom prst="rect">
+            <a:avLst/>
+          </a:prstGeom>
+          <a:noFill/>
+        </p:spPr>
+        <p:txBody>
+          <a:bodyPr wrap="square" rtlCol="0">
+            <a:spAutoFit/>
+          </a:bodyPr>
+          <a:lstStyle/>
+          <a:p>
+            <a:r>
+              <a:rPr lang="en-GB" sz="3200" dirty="0">
+                <a:solidFill>
+                  <a:srgbClr val="00B0F0"/>
+                </a:solidFill>
+                <a:latin typeface="Montserrat" panose="02000505000000020004" pitchFamily="2" charset="0"/>
+              </a:rPr>
+              <a:t>Best Practice</a:t>
+            </a:r>
+            <a:endParaRPr lang="en-GB" sz="4000" dirty="0">
+              <a:solidFill>
+                <a:srgbClr val="00B0F0"/>
+              </a:solidFill>
+              <a:latin typeface="Montserrat" panose="02000505000000020004" pitchFamily="2" charset="0"/>
+            </a:endParaRPr>
+          </a:p>
+        </p:txBody>
+      </p:sp>
+      <p:sp>
+        <p:nvSpPr>
+          <p:cNvPr id="52" name="TextBox 51">
+            <a:extLst>
+              <a:ext uri="{FF2B5EF4-FFF2-40B4-BE49-F238E27FC236}">
+                <a16:creationId xmlns:a16="http://schemas.microsoft.com/office/drawing/2014/main" id="{D8E3408C-A294-4022-A92B-9E0C042F75EA}"/>
+              </a:ext>
+            </a:extLst>
+          </p:cNvPr>
+          <p:cNvSpPr txBox="1"/>
+          <p:nvPr/>
+        </p:nvSpPr>
+        <p:spPr>
+          <a:xfrm>
+            <a:off x="7779784" y="2785709"/>
+            <a:ext cx="1656589" cy="523220"/>
+          </a:xfrm>
+          <a:prstGeom prst="rect">
+            <a:avLst/>
+          </a:prstGeom>
+          <a:noFill/>
+        </p:spPr>
+        <p:txBody>
+          <a:bodyPr wrap="square" rtlCol="0">
+            <a:spAutoFit/>
+          </a:bodyPr>
+          <a:lstStyle/>
+          <a:p>
+            <a:r>
+              <a:rPr lang="en-GB" sz="2800" dirty="0">
+                <a:solidFill>
+                  <a:srgbClr val="FFFF00"/>
+                </a:solidFill>
+                <a:latin typeface="Montserrat" panose="02000505000000020004" pitchFamily="2" charset="0"/>
+              </a:rPr>
+              <a:t>DevOps</a:t>
+            </a:r>
+            <a:endParaRPr lang="en-GB" sz="4800" dirty="0">
+              <a:solidFill>
+                <a:srgbClr val="FFFF00"/>
+              </a:solidFill>
+              <a:latin typeface="Montserrat" panose="02000505000000020004" pitchFamily="2" charset="0"/>
+            </a:endParaRPr>
+          </a:p>
+        </p:txBody>
+      </p:sp>
+      <p:sp>
+        <p:nvSpPr>
+          <p:cNvPr id="53" name="TextBox 52">
+            <a:extLst>
+              <a:ext uri="{FF2B5EF4-FFF2-40B4-BE49-F238E27FC236}">
+                <a16:creationId xmlns:a16="http://schemas.microsoft.com/office/drawing/2014/main" id="{5FA1ABA5-698F-4077-B7F4-EF37123BF42F}"/>
+              </a:ext>
+            </a:extLst>
+          </p:cNvPr>
+          <p:cNvSpPr txBox="1"/>
+          <p:nvPr/>
+        </p:nvSpPr>
+        <p:spPr>
+          <a:xfrm>
+            <a:off x="7567538" y="1477267"/>
+            <a:ext cx="930707" cy="523220"/>
+          </a:xfrm>
+          <a:prstGeom prst="rect">
+            <a:avLst/>
+          </a:prstGeom>
+          <a:noFill/>
+        </p:spPr>
+        <p:txBody>
+          <a:bodyPr wrap="square" rtlCol="0">
+            <a:spAutoFit/>
+          </a:bodyPr>
+          <a:lstStyle/>
+          <a:p>
+            <a:r>
+              <a:rPr lang="en-GB" sz="2800" dirty="0">
+                <a:solidFill>
+                  <a:srgbClr val="00B050"/>
+                </a:solidFill>
+                <a:latin typeface="Montserrat" panose="02000505000000020004" pitchFamily="2" charset="0"/>
+              </a:rPr>
+              <a:t>SQL</a:t>
+            </a:r>
+          </a:p>
+        </p:txBody>
+      </p:sp>
+      <p:sp>
+        <p:nvSpPr>
+          <p:cNvPr id="54" name="TextBox 53">
+            <a:extLst>
+              <a:ext uri="{FF2B5EF4-FFF2-40B4-BE49-F238E27FC236}">
+                <a16:creationId xmlns:a16="http://schemas.microsoft.com/office/drawing/2014/main" id="{F9F71EA8-1C35-493B-8BF4-26CB961815E0}"/>
+              </a:ext>
+            </a:extLst>
+          </p:cNvPr>
+          <p:cNvSpPr txBox="1"/>
+          <p:nvPr/>
+        </p:nvSpPr>
+        <p:spPr>
+          <a:xfrm>
+            <a:off x="10285751" y="2557004"/>
+            <a:ext cx="2226931" cy="584775"/>
+          </a:xfrm>
+          <a:prstGeom prst="rect">
+            <a:avLst/>
+          </a:prstGeom>
+          <a:noFill/>
+        </p:spPr>
+        <p:txBody>
+          <a:bodyPr wrap="square" rtlCol="0">
+            <a:spAutoFit/>
+          </a:bodyPr>
+          <a:lstStyle/>
+          <a:p>
+            <a:r>
+              <a:rPr lang="en-GB" sz="3200" dirty="0" err="1">
+                <a:solidFill>
+                  <a:srgbClr val="00B050"/>
+                </a:solidFill>
+                <a:latin typeface="Montserrat" panose="02000505000000020004" pitchFamily="2" charset="0"/>
+              </a:rPr>
+              <a:t>WinOps</a:t>
+            </a:r>
+            <a:endParaRPr lang="en-GB" sz="4000" dirty="0">
+              <a:solidFill>
+                <a:srgbClr val="00B050"/>
+              </a:solidFill>
+              <a:latin typeface="Montserrat" panose="02000505000000020004" pitchFamily="2" charset="0"/>
+            </a:endParaRPr>
+          </a:p>
+        </p:txBody>
+      </p:sp>
+      <p:sp>
+        <p:nvSpPr>
+          <p:cNvPr id="55" name="TextBox 54">
+            <a:extLst>
+              <a:ext uri="{FF2B5EF4-FFF2-40B4-BE49-F238E27FC236}">
+                <a16:creationId xmlns:a16="http://schemas.microsoft.com/office/drawing/2014/main" id="{037E96F3-6437-4374-8F28-12F0CEC74A8E}"/>
+              </a:ext>
+            </a:extLst>
+          </p:cNvPr>
+          <p:cNvSpPr txBox="1"/>
+          <p:nvPr/>
+        </p:nvSpPr>
+        <p:spPr>
+          <a:xfrm>
+            <a:off x="10163696" y="222543"/>
+            <a:ext cx="1132270" cy="461665"/>
+          </a:xfrm>
+          <a:prstGeom prst="rect">
+            <a:avLst/>
+          </a:prstGeom>
+          <a:noFill/>
+        </p:spPr>
+        <p:txBody>
+          <a:bodyPr wrap="square" rtlCol="0">
+            <a:spAutoFit/>
+          </a:bodyPr>
+          <a:lstStyle/>
+          <a:p>
+            <a:r>
+              <a:rPr lang="en-GB" sz="2400" dirty="0">
+                <a:solidFill>
+                  <a:schemeClr val="accent2">
+                    <a:lumMod val="75000"/>
+                  </a:schemeClr>
+                </a:solidFill>
+                <a:latin typeface="Montserrat" panose="02000505000000020004" pitchFamily="2" charset="0"/>
+              </a:rPr>
+              <a:t>AWS</a:t>
+            </a:r>
+          </a:p>
+        </p:txBody>
+      </p:sp>
+      <p:sp>
+        <p:nvSpPr>
+          <p:cNvPr id="56" name="TextBox 55">
+            <a:extLst>
+              <a:ext uri="{FF2B5EF4-FFF2-40B4-BE49-F238E27FC236}">
+                <a16:creationId xmlns:a16="http://schemas.microsoft.com/office/drawing/2014/main" id="{F080FCBF-F4AE-4FE5-AE66-FBD09826B2B9}"/>
+              </a:ext>
+            </a:extLst>
+          </p:cNvPr>
+          <p:cNvSpPr txBox="1"/>
+          <p:nvPr/>
+        </p:nvSpPr>
+        <p:spPr>
+          <a:xfrm>
+            <a:off x="8558995" y="1748432"/>
+            <a:ext cx="3103009" cy="584775"/>
+          </a:xfrm>
+          <a:prstGeom prst="rect">
+            <a:avLst/>
+          </a:prstGeom>
+          <a:noFill/>
+        </p:spPr>
+        <p:txBody>
+          <a:bodyPr wrap="square" rtlCol="0">
+            <a:spAutoFit/>
+          </a:bodyPr>
+          <a:lstStyle/>
+          <a:p>
+            <a:r>
+              <a:rPr lang="en-GB" sz="3200" dirty="0">
+                <a:solidFill>
+                  <a:srgbClr val="FFFF00"/>
+                </a:solidFill>
+                <a:latin typeface="Montserrat" panose="02000505000000020004" pitchFamily="2" charset="0"/>
+              </a:rPr>
+              <a:t>SharePoint</a:t>
+            </a:r>
+            <a:endParaRPr lang="en-GB" sz="4000" dirty="0">
+              <a:solidFill>
+                <a:srgbClr val="FFFF00"/>
+              </a:solidFill>
+              <a:latin typeface="Montserrat" panose="02000505000000020004" pitchFamily="2" charset="0"/>
+            </a:endParaRPr>
+          </a:p>
+        </p:txBody>
+      </p:sp>
+      <p:sp>
+        <p:nvSpPr>
+          <p:cNvPr id="58" name="TextBox 57">
+            <a:extLst>
+              <a:ext uri="{FF2B5EF4-FFF2-40B4-BE49-F238E27FC236}">
+                <a16:creationId xmlns:a16="http://schemas.microsoft.com/office/drawing/2014/main" id="{3772317D-7AD7-4725-B4F4-123023112643}"/>
+              </a:ext>
+            </a:extLst>
+          </p:cNvPr>
+          <p:cNvSpPr txBox="1"/>
+          <p:nvPr/>
+        </p:nvSpPr>
+        <p:spPr>
+          <a:xfrm>
+            <a:off x="6324598" y="2557004"/>
+            <a:ext cx="1508572" cy="707886"/>
+          </a:xfrm>
+          <a:prstGeom prst="rect">
+            <a:avLst/>
+          </a:prstGeom>
+          <a:noFill/>
+        </p:spPr>
+        <p:txBody>
+          <a:bodyPr wrap="square" rtlCol="0">
+            <a:spAutoFit/>
+          </a:bodyPr>
+          <a:lstStyle/>
+          <a:p>
+            <a:r>
+              <a:rPr lang="en-GB" sz="4000" dirty="0">
+                <a:solidFill>
+                  <a:srgbClr val="00B050"/>
+                </a:solidFill>
+                <a:latin typeface="Montserrat" panose="02000505000000020004" pitchFamily="2" charset="0"/>
+              </a:rPr>
+              <a:t>.NET</a:t>
+            </a:r>
+          </a:p>
+        </p:txBody>
+      </p:sp>
+      <p:sp>
+        <p:nvSpPr>
+          <p:cNvPr id="59" name="TextBox 58">
+            <a:extLst>
+              <a:ext uri="{FF2B5EF4-FFF2-40B4-BE49-F238E27FC236}">
+                <a16:creationId xmlns:a16="http://schemas.microsoft.com/office/drawing/2014/main" id="{EECE75C7-8B60-48FD-A51A-2BB22D6519B5}"/>
+              </a:ext>
+            </a:extLst>
+          </p:cNvPr>
+          <p:cNvSpPr txBox="1"/>
+          <p:nvPr/>
+        </p:nvSpPr>
+        <p:spPr>
+          <a:xfrm>
+            <a:off x="11186441" y="1700190"/>
+            <a:ext cx="1495588" cy="523220"/>
+          </a:xfrm>
+          <a:prstGeom prst="rect">
+            <a:avLst/>
+          </a:prstGeom>
+          <a:noFill/>
+        </p:spPr>
+        <p:txBody>
+          <a:bodyPr wrap="square" rtlCol="0">
+            <a:spAutoFit/>
+          </a:bodyPr>
+          <a:lstStyle/>
+          <a:p>
+            <a:r>
+              <a:rPr lang="en-GB" sz="2800" dirty="0">
+                <a:latin typeface="Montserrat" panose="02000505000000020004" pitchFamily="2" charset="0"/>
+              </a:rPr>
+              <a:t>OMS</a:t>
+            </a:r>
+          </a:p>
+        </p:txBody>
+      </p:sp>
+      <p:sp>
+        <p:nvSpPr>
+          <p:cNvPr id="60" name="TextBox 59">
+            <a:extLst>
+              <a:ext uri="{FF2B5EF4-FFF2-40B4-BE49-F238E27FC236}">
+                <a16:creationId xmlns:a16="http://schemas.microsoft.com/office/drawing/2014/main" id="{ED58132A-9515-4F07-9A3C-351679F1CAF1}"/>
+              </a:ext>
+            </a:extLst>
+          </p:cNvPr>
+          <p:cNvSpPr txBox="1"/>
+          <p:nvPr/>
+        </p:nvSpPr>
+        <p:spPr>
+          <a:xfrm>
+            <a:off x="10979289" y="655411"/>
+            <a:ext cx="1089445" cy="400110"/>
+          </a:xfrm>
+          <a:prstGeom prst="rect">
+            <a:avLst/>
+          </a:prstGeom>
+          <a:noFill/>
+        </p:spPr>
+        <p:txBody>
+          <a:bodyPr wrap="square" rtlCol="0">
+            <a:spAutoFit/>
+          </a:bodyPr>
+          <a:lstStyle/>
+          <a:p>
+            <a:r>
+              <a:rPr lang="en-GB" sz="2000" dirty="0">
+                <a:solidFill>
+                  <a:srgbClr val="00B0F0"/>
+                </a:solidFill>
+                <a:latin typeface="Montserrat" panose="02000505000000020004" pitchFamily="2" charset="0"/>
+              </a:rPr>
+              <a:t>Intune</a:t>
+            </a:r>
+          </a:p>
+        </p:txBody>
+      </p:sp>
     </p:spTree>
     <p:extLst>
       <p:ext uri="{BB962C8B-B14F-4D97-AF65-F5344CB8AC3E}">
-        <p14:creationId xmlns:p14="http://schemas.microsoft.com/office/powerpoint/2010/main" val="2315931135"/>
+        <p14:creationId xmlns:p14="http://schemas.microsoft.com/office/powerpoint/2010/main" val="1406096034"/>
       </p:ext>
     </p:extLst>
   </p:cSld>
@@ -7303,12 +7216,47 @@
           <a:chExt cx="0" cy="0"/>
         </a:xfrm>
       </p:grpSpPr>
-      <p:sp>
-        <p:nvSpPr>
-          <p:cNvPr id="16" name="Isosceles Triangle 15">
+      <p:pic>
+        <p:nvPicPr>
+          <p:cNvPr id="29" name="Content Placeholder 4">
             <a:extLst>
               <a:ext uri="{FF2B5EF4-FFF2-40B4-BE49-F238E27FC236}">
-                <a16:creationId xmlns:a16="http://schemas.microsoft.com/office/drawing/2014/main" id="{E1A06653-2A9B-4DCF-B4AE-88C7E39B8780}"/>
+                <a16:creationId xmlns:a16="http://schemas.microsoft.com/office/drawing/2014/main" id="{C0D63D31-7E2A-4FD8-9EC1-7B329BC5D61C}"/>
+              </a:ext>
+            </a:extLst>
+          </p:cNvPr>
+          <p:cNvPicPr>
+            <a:picLocks noGrp="1" noChangeAspect="1"/>
+          </p:cNvPicPr>
+          <p:nvPr>
+            <p:ph idx="1"/>
+          </p:nvPr>
+        </p:nvPicPr>
+        <p:blipFill>
+          <a:blip r:embed="rId2">
+            <a:extLst>
+              <a:ext uri="{28A0092B-C50C-407E-A947-70E740481C1C}">
+                <a14:useLocalDpi xmlns:a14="http://schemas.microsoft.com/office/drawing/2010/main" val="0"/>
+              </a:ext>
+            </a:extLst>
+          </a:blip>
+          <a:stretch>
+            <a:fillRect/>
+          </a:stretch>
+        </p:blipFill>
+        <p:spPr>
+          <a:xfrm>
+            <a:off x="526791" y="649357"/>
+            <a:ext cx="3079127" cy="1632144"/>
+          </a:xfrm>
+        </p:spPr>
+      </p:pic>
+      <p:sp>
+        <p:nvSpPr>
+          <p:cNvPr id="30" name="Rectangle 29">
+            <a:extLst>
+              <a:ext uri="{FF2B5EF4-FFF2-40B4-BE49-F238E27FC236}">
+                <a16:creationId xmlns:a16="http://schemas.microsoft.com/office/drawing/2014/main" id="{106FC005-C9C5-4708-AB94-4E1D98D75A2C}"/>
               </a:ext>
             </a:extLst>
           </p:cNvPr>
@@ -7316,47 +7264,127 @@
           <p:nvPr/>
         </p:nvSpPr>
         <p:spPr>
-          <a:xfrm rot="16200000">
-            <a:off x="6174037" y="596196"/>
-            <a:ext cx="6285368" cy="5750558"/>
-          </a:xfrm>
-          <a:prstGeom prst="triangle">
-            <a:avLst>
-              <a:gd name="adj" fmla="val 49756"/>
-            </a:avLst>
+          <a:xfrm>
+            <a:off x="3722199" y="803709"/>
+            <a:ext cx="8416792" cy="1323439"/>
+          </a:xfrm>
+          <a:prstGeom prst="rect">
+            <a:avLst/>
           </a:prstGeom>
         </p:spPr>
-        <p:style>
-          <a:lnRef idx="2">
-            <a:schemeClr val="accent1">
-              <a:shade val="50000"/>
-            </a:schemeClr>
-          </a:lnRef>
-          <a:fillRef idx="1">
-            <a:schemeClr val="accent1"/>
-          </a:fillRef>
-          <a:effectRef idx="0">
-            <a:schemeClr val="accent1"/>
-          </a:effectRef>
-          <a:fontRef idx="minor">
-            <a:schemeClr val="lt1"/>
-          </a:fontRef>
-        </p:style>
-        <p:txBody>
-          <a:bodyPr rtlCol="0" anchor="ctr"/>
+        <p:txBody>
+          <a:bodyPr wrap="square">
+            <a:spAutoFit/>
+          </a:bodyPr>
           <a:lstStyle/>
           <a:p>
-            <a:pPr algn="ctr"/>
-            <a:endParaRPr lang="en-GB"/>
+            <a:r>
+              <a:rPr lang="en-GB" sz="4000" b="1" dirty="0">
+                <a:solidFill>
+                  <a:srgbClr val="002060"/>
+                </a:solidFill>
+                <a:latin typeface="Montserrat" panose="02000505000000020004" pitchFamily="2" charset="0"/>
+              </a:rPr>
+              <a:t>SCOTTISH POWERSHELL</a:t>
+            </a:r>
+          </a:p>
+          <a:p>
+            <a:r>
+              <a:rPr lang="en-GB" sz="4000" b="1" dirty="0">
+                <a:solidFill>
+                  <a:srgbClr val="002060"/>
+                </a:solidFill>
+                <a:latin typeface="Montserrat" panose="02000505000000020004" pitchFamily="2" charset="0"/>
+              </a:rPr>
+              <a:t>AND DEVOPS USER GROUP</a:t>
+            </a:r>
+            <a:endParaRPr lang="en-GB" sz="4000" b="1" dirty="0">
+              <a:solidFill>
+                <a:srgbClr val="002060"/>
+              </a:solidFill>
+            </a:endParaRPr>
+          </a:p>
+        </p:txBody>
+      </p:sp>
+      <p:sp>
+        <p:nvSpPr>
+          <p:cNvPr id="31" name="TextBox 30">
+            <a:extLst>
+              <a:ext uri="{FF2B5EF4-FFF2-40B4-BE49-F238E27FC236}">
+                <a16:creationId xmlns:a16="http://schemas.microsoft.com/office/drawing/2014/main" id="{A7E3C652-A599-4E80-8B40-8E757E5DB8FA}"/>
+              </a:ext>
+            </a:extLst>
+          </p:cNvPr>
+          <p:cNvSpPr txBox="1"/>
+          <p:nvPr/>
+        </p:nvSpPr>
+        <p:spPr>
+          <a:xfrm>
+            <a:off x="4652154" y="2954729"/>
+            <a:ext cx="4549658" cy="584775"/>
+          </a:xfrm>
+          <a:prstGeom prst="rect">
+            <a:avLst/>
+          </a:prstGeom>
+          <a:noFill/>
+        </p:spPr>
+        <p:txBody>
+          <a:bodyPr wrap="square" rtlCol="0">
+            <a:spAutoFit/>
+          </a:bodyPr>
+          <a:lstStyle/>
+          <a:p>
+            <a:pPr marL="228600" marR="0" lvl="1" indent="0" algn="l" defTabSz="457200" rtl="0" eaLnBrk="1" fontAlgn="auto" latinLnBrk="0" hangingPunct="1">
+              <a:lnSpc>
+                <a:spcPct val="100000"/>
+              </a:lnSpc>
+              <a:spcBef>
+                <a:spcPts val="0"/>
+              </a:spcBef>
+              <a:spcAft>
+                <a:spcPts val="0"/>
+              </a:spcAft>
+              <a:buClrTx/>
+              <a:buSzTx/>
+              <a:buFontTx/>
+              <a:buNone/>
+              <a:tabLst/>
+              <a:defRPr/>
+            </a:pPr>
+            <a:r>
+              <a:rPr kumimoji="0" lang="en-GB" sz="3200" b="1" i="0" u="none" strike="noStrike" kern="1200" cap="none" spc="0" normalizeH="0" baseline="0" noProof="0" dirty="0" err="1">
+                <a:ln>
+                  <a:noFill/>
+                </a:ln>
+                <a:effectLst/>
+                <a:uLnTx/>
+                <a:uFillTx/>
+                <a:latin typeface="Montserrat" panose="02000505000000020004" pitchFamily="2" charset="0"/>
+                <a:ea typeface="+mn-ea"/>
+                <a:cs typeface="+mn-cs"/>
+              </a:rPr>
+              <a:t>psdevopsug.scot</a:t>
+            </a:r>
+            <a:endParaRPr kumimoji="0" lang="en-GB" sz="3200" b="1" i="0" u="none" strike="noStrike" kern="1200" cap="none" spc="0" normalizeH="0" baseline="0" noProof="0" dirty="0">
+              <a:ln>
+                <a:noFill/>
+              </a:ln>
+              <a:effectLst/>
+              <a:uLnTx/>
+              <a:uFillTx/>
+              <a:latin typeface="Montserrat" panose="02000505000000020004" pitchFamily="2" charset="0"/>
+              <a:ea typeface="+mn-ea"/>
+              <a:cs typeface="+mn-cs"/>
+            </a:endParaRPr>
           </a:p>
         </p:txBody>
       </p:sp>
       <p:pic>
         <p:nvPicPr>
-          <p:cNvPr id="5" name="Picture 4">
+          <p:cNvPr id="32" name="Graphic 31">
             <a:extLst>
               <a:ext uri="{FF2B5EF4-FFF2-40B4-BE49-F238E27FC236}">
-                <a16:creationId xmlns:a16="http://schemas.microsoft.com/office/drawing/2014/main" id="{DDCB28E0-31DE-4051-A7E6-6CCC43A4BE6C}"/>
+                <a16:creationId xmlns:a16="http://schemas.microsoft.com/office/drawing/2014/main" id="{CAABCA75-1484-4B07-BCA3-19276D4D9D4E}"/>
               </a:ext>
             </a:extLst>
           </p:cNvPr>
@@ -7366,10 +7394,13 @@
           <p:nvPr/>
         </p:nvPicPr>
         <p:blipFill>
-          <a:blip r:embed="rId2">
+          <a:blip r:embed="rId3">
             <a:extLst>
               <a:ext uri="{28A0092B-C50C-407E-A947-70E740481C1C}">
                 <a14:useLocalDpi xmlns:a14="http://schemas.microsoft.com/office/drawing/2010/main" val="0"/>
+              </a:ext>
+              <a:ext uri="{96DAC541-7B7A-43D3-8B79-37D633B846F1}">
+                <asvg:svgBlip xmlns:asvg="http://schemas.microsoft.com/office/drawing/2016/SVG/main" r:embed="rId4"/>
               </a:ext>
             </a:extLst>
           </a:blip>
@@ -7379,372 +7410,20 @@
         </p:blipFill>
         <p:spPr>
           <a:xfrm>
-            <a:off x="99834" y="-556663"/>
-            <a:ext cx="7864491" cy="4319844"/>
+            <a:off x="3931733" y="3004759"/>
+            <a:ext cx="603231" cy="536206"/>
           </a:xfrm>
           <a:prstGeom prst="rect">
             <a:avLst/>
           </a:prstGeom>
         </p:spPr>
       </p:pic>
-      <p:sp>
-        <p:nvSpPr>
-          <p:cNvPr id="11" name="TextBox 10">
-            <a:extLst>
-              <a:ext uri="{FF2B5EF4-FFF2-40B4-BE49-F238E27FC236}">
-                <a16:creationId xmlns:a16="http://schemas.microsoft.com/office/drawing/2014/main" id="{12971F69-048D-436C-8C4B-94541A57B5A1}"/>
-              </a:ext>
-            </a:extLst>
-          </p:cNvPr>
-          <p:cNvSpPr txBox="1"/>
-          <p:nvPr/>
-        </p:nvSpPr>
-        <p:spPr>
-          <a:xfrm>
-            <a:off x="7501273" y="1875412"/>
-            <a:ext cx="4482317" cy="3539430"/>
-          </a:xfrm>
-          <a:prstGeom prst="rect">
-            <a:avLst/>
-          </a:prstGeom>
-          <a:noFill/>
-        </p:spPr>
-        <p:txBody>
-          <a:bodyPr wrap="none" rtlCol="0">
-            <a:spAutoFit/>
-          </a:bodyPr>
-          <a:lstStyle/>
-          <a:p>
-            <a:pPr algn="r"/>
-            <a:r>
-              <a:rPr lang="en-GB" sz="3200" dirty="0">
-                <a:solidFill>
-                  <a:schemeClr val="bg1"/>
-                </a:solidFill>
-                <a:latin typeface="Open Sans" panose="020B0806030504020204" pitchFamily="34" charset="0"/>
-                <a:ea typeface="Open Sans" panose="020B0806030504020204" pitchFamily="34" charset="0"/>
-                <a:cs typeface="Open Sans" panose="020B0806030504020204" pitchFamily="34" charset="0"/>
-              </a:rPr>
-              <a:t>SQL Server</a:t>
-            </a:r>
-          </a:p>
-          <a:p>
-            <a:pPr algn="r"/>
-            <a:r>
-              <a:rPr lang="en-GB" sz="3200" dirty="0">
-                <a:solidFill>
-                  <a:schemeClr val="bg1"/>
-                </a:solidFill>
-                <a:latin typeface="Open Sans" panose="020B0806030504020204" pitchFamily="34" charset="0"/>
-                <a:ea typeface="Open Sans" panose="020B0806030504020204" pitchFamily="34" charset="0"/>
-                <a:cs typeface="Open Sans" panose="020B0806030504020204" pitchFamily="34" charset="0"/>
-              </a:rPr>
-              <a:t>Power BI</a:t>
-            </a:r>
-          </a:p>
-          <a:p>
-            <a:pPr algn="r"/>
-            <a:r>
-              <a:rPr lang="en-GB" sz="3200" dirty="0">
-                <a:solidFill>
-                  <a:schemeClr val="bg1"/>
-                </a:solidFill>
-                <a:latin typeface="Open Sans" panose="020B0806030504020204" pitchFamily="34" charset="0"/>
-                <a:ea typeface="Open Sans" panose="020B0806030504020204" pitchFamily="34" charset="0"/>
-                <a:cs typeface="Open Sans" panose="020B0806030504020204" pitchFamily="34" charset="0"/>
-              </a:rPr>
-              <a:t>Data Analytics</a:t>
-            </a:r>
-          </a:p>
-          <a:p>
-            <a:pPr algn="r"/>
-            <a:r>
-              <a:rPr lang="en-GB" sz="3200" dirty="0">
-                <a:solidFill>
-                  <a:schemeClr val="bg1"/>
-                </a:solidFill>
-                <a:latin typeface="Open Sans" panose="020B0806030504020204" pitchFamily="34" charset="0"/>
-                <a:ea typeface="Open Sans" panose="020B0806030504020204" pitchFamily="34" charset="0"/>
-                <a:cs typeface="Open Sans" panose="020B0806030504020204" pitchFamily="34" charset="0"/>
-              </a:rPr>
-              <a:t>Business Intelligence</a:t>
-            </a:r>
-          </a:p>
-          <a:p>
-            <a:pPr algn="r"/>
-            <a:r>
-              <a:rPr lang="en-GB" sz="3200" dirty="0">
-                <a:solidFill>
-                  <a:schemeClr val="bg1"/>
-                </a:solidFill>
-                <a:latin typeface="Open Sans" panose="020B0806030504020204" pitchFamily="34" charset="0"/>
-                <a:ea typeface="Open Sans" panose="020B0806030504020204" pitchFamily="34" charset="0"/>
-                <a:cs typeface="Open Sans" panose="020B0806030504020204" pitchFamily="34" charset="0"/>
-              </a:rPr>
-              <a:t>Data Warehousing</a:t>
-            </a:r>
-          </a:p>
-          <a:p>
-            <a:pPr algn="r"/>
-            <a:r>
-              <a:rPr lang="en-GB" sz="3200" dirty="0">
-                <a:solidFill>
-                  <a:schemeClr val="bg1"/>
-                </a:solidFill>
-                <a:latin typeface="Open Sans" panose="020B0806030504020204" pitchFamily="34" charset="0"/>
-                <a:ea typeface="Open Sans" panose="020B0806030504020204" pitchFamily="34" charset="0"/>
-                <a:cs typeface="Open Sans" panose="020B0806030504020204" pitchFamily="34" charset="0"/>
-              </a:rPr>
-              <a:t>PowerShell</a:t>
-            </a:r>
-          </a:p>
-          <a:p>
-            <a:pPr algn="r"/>
-            <a:r>
-              <a:rPr lang="en-GB" sz="3200" dirty="0">
-                <a:solidFill>
-                  <a:schemeClr val="bg1"/>
-                </a:solidFill>
-                <a:latin typeface="Open Sans" panose="020B0806030504020204" pitchFamily="34" charset="0"/>
-                <a:ea typeface="Open Sans" panose="020B0806030504020204" pitchFamily="34" charset="0"/>
-                <a:cs typeface="Open Sans" panose="020B0806030504020204" pitchFamily="34" charset="0"/>
-              </a:rPr>
-              <a:t>Azure</a:t>
-            </a:r>
-          </a:p>
-        </p:txBody>
-      </p:sp>
-      <p:sp>
-        <p:nvSpPr>
-          <p:cNvPr id="12" name="TextBox 11">
-            <a:extLst>
-              <a:ext uri="{FF2B5EF4-FFF2-40B4-BE49-F238E27FC236}">
-                <a16:creationId xmlns:a16="http://schemas.microsoft.com/office/drawing/2014/main" id="{8A8BAEBC-D680-41A9-8740-055BD9DD38B1}"/>
-              </a:ext>
-            </a:extLst>
-          </p:cNvPr>
-          <p:cNvSpPr txBox="1"/>
-          <p:nvPr/>
-        </p:nvSpPr>
-        <p:spPr>
-          <a:xfrm>
-            <a:off x="1671320" y="4216400"/>
-            <a:ext cx="6077253" cy="2246769"/>
-          </a:xfrm>
-          <a:prstGeom prst="rect">
-            <a:avLst/>
-          </a:prstGeom>
-          <a:noFill/>
-        </p:spPr>
-        <p:txBody>
-          <a:bodyPr wrap="square" rtlCol="0">
-            <a:spAutoFit/>
-          </a:bodyPr>
-          <a:lstStyle/>
-          <a:p>
-            <a:r>
-              <a:rPr lang="en-GB" sz="2800" dirty="0">
-                <a:solidFill>
-                  <a:srgbClr val="0070C0"/>
-                </a:solidFill>
-                <a:latin typeface="Roboto Light" panose="02000000000000000000" pitchFamily="2" charset="0"/>
-                <a:ea typeface="Roboto Light" panose="02000000000000000000" pitchFamily="2" charset="0"/>
-              </a:rPr>
-              <a:t>@</a:t>
-            </a:r>
-            <a:r>
-              <a:rPr lang="en-GB" sz="2800" dirty="0" err="1">
-                <a:solidFill>
-                  <a:srgbClr val="0070C0"/>
-                </a:solidFill>
-                <a:latin typeface="Roboto Light" panose="02000000000000000000" pitchFamily="2" charset="0"/>
-                <a:ea typeface="Roboto Light" panose="02000000000000000000" pitchFamily="2" charset="0"/>
-              </a:rPr>
-              <a:t>SqlGlasgow</a:t>
-            </a:r>
-            <a:endParaRPr lang="en-GB" sz="2800" dirty="0">
-              <a:solidFill>
-                <a:srgbClr val="0070C0"/>
-              </a:solidFill>
-              <a:latin typeface="Roboto Light" panose="02000000000000000000" pitchFamily="2" charset="0"/>
-              <a:ea typeface="Roboto Light" panose="02000000000000000000" pitchFamily="2" charset="0"/>
-            </a:endParaRPr>
-          </a:p>
-          <a:p>
-            <a:endParaRPr lang="en-GB" sz="2800" dirty="0">
-              <a:solidFill>
-                <a:srgbClr val="0070C0"/>
-              </a:solidFill>
-              <a:latin typeface="Roboto Light" panose="02000000000000000000" pitchFamily="2" charset="0"/>
-              <a:ea typeface="Roboto Light" panose="02000000000000000000" pitchFamily="2" charset="0"/>
-            </a:endParaRPr>
-          </a:p>
-          <a:p>
-            <a:r>
-              <a:rPr lang="en-GB" sz="2800" dirty="0">
-                <a:solidFill>
-                  <a:srgbClr val="0070C0"/>
-                </a:solidFill>
-                <a:latin typeface="Roboto Light" panose="02000000000000000000" pitchFamily="2" charset="0"/>
-                <a:ea typeface="Roboto Light" panose="02000000000000000000" pitchFamily="2" charset="0"/>
-              </a:rPr>
-              <a:t>Bit.ly/</a:t>
-            </a:r>
-            <a:r>
-              <a:rPr lang="en-GB" sz="2800" dirty="0" err="1">
-                <a:solidFill>
-                  <a:srgbClr val="0070C0"/>
-                </a:solidFill>
-                <a:latin typeface="Roboto Light" panose="02000000000000000000" pitchFamily="2" charset="0"/>
-                <a:ea typeface="Roboto Light" panose="02000000000000000000" pitchFamily="2" charset="0"/>
-              </a:rPr>
-              <a:t>sqlglasgowlinkedin</a:t>
-            </a:r>
-            <a:endParaRPr lang="en-GB" sz="2800" dirty="0">
-              <a:solidFill>
-                <a:srgbClr val="0070C0"/>
-              </a:solidFill>
-              <a:latin typeface="Roboto Light" panose="02000000000000000000" pitchFamily="2" charset="0"/>
-              <a:ea typeface="Roboto Light" panose="02000000000000000000" pitchFamily="2" charset="0"/>
-            </a:endParaRPr>
-          </a:p>
-          <a:p>
-            <a:endParaRPr lang="en-GB" sz="2800" dirty="0">
-              <a:latin typeface="Roboto Light" panose="02000000000000000000" pitchFamily="2" charset="0"/>
-              <a:ea typeface="Roboto Light" panose="02000000000000000000" pitchFamily="2" charset="0"/>
-            </a:endParaRPr>
-          </a:p>
-          <a:p>
-            <a:r>
-              <a:rPr lang="en-GB" sz="2800" dirty="0">
-                <a:solidFill>
-                  <a:srgbClr val="0070C0"/>
-                </a:solidFill>
-                <a:latin typeface="Roboto Light" panose="02000000000000000000" pitchFamily="2" charset="0"/>
-                <a:ea typeface="Roboto Light" panose="02000000000000000000" pitchFamily="2" charset="0"/>
-              </a:rPr>
-              <a:t>Bit.ly/</a:t>
-            </a:r>
-            <a:r>
-              <a:rPr lang="en-GB" sz="2800" dirty="0" err="1">
-                <a:solidFill>
-                  <a:srgbClr val="0070C0"/>
-                </a:solidFill>
-                <a:latin typeface="Roboto Light" panose="02000000000000000000" pitchFamily="2" charset="0"/>
-                <a:ea typeface="Roboto Light" panose="02000000000000000000" pitchFamily="2" charset="0"/>
-              </a:rPr>
-              <a:t>sqlglasgow</a:t>
-            </a:r>
-            <a:endParaRPr lang="en-GB" sz="2800" dirty="0">
-              <a:solidFill>
-                <a:srgbClr val="0070C0"/>
-              </a:solidFill>
-              <a:latin typeface="Roboto Light" panose="02000000000000000000" pitchFamily="2" charset="0"/>
-              <a:ea typeface="Roboto Light" panose="02000000000000000000" pitchFamily="2" charset="0"/>
-            </a:endParaRPr>
-          </a:p>
-        </p:txBody>
-      </p:sp>
       <p:pic>
         <p:nvPicPr>
-          <p:cNvPr id="13" name="Picture 4" descr="https://designshack.net/wp-content/uploads/larrybird-2.jpg">
+          <p:cNvPr id="33" name="Picture 4" descr="https://designshack.net/wp-content/uploads/larrybird-2.jpg">
             <a:extLst>
               <a:ext uri="{FF2B5EF4-FFF2-40B4-BE49-F238E27FC236}">
-                <a16:creationId xmlns:a16="http://schemas.microsoft.com/office/drawing/2014/main" id="{78D853B7-7751-4227-A3B8-DC0BB4346B10}"/>
-              </a:ext>
-            </a:extLst>
-          </p:cNvPr>
-          <p:cNvPicPr>
-            <a:picLocks noChangeAspect="1" noChangeArrowheads="1"/>
-          </p:cNvPicPr>
-          <p:nvPr/>
-        </p:nvPicPr>
-        <p:blipFill>
-          <a:blip r:embed="rId3" cstate="print">
-            <a:extLst>
-              <a:ext uri="{28A0092B-C50C-407E-A947-70E740481C1C}">
-                <a14:useLocalDpi xmlns:a14="http://schemas.microsoft.com/office/drawing/2010/main" val="0"/>
-              </a:ext>
-            </a:extLst>
-          </a:blip>
-          <a:srcRect/>
-          <a:stretch>
-            <a:fillRect/>
-          </a:stretch>
-        </p:blipFill>
-        <p:spPr bwMode="auto">
-          <a:xfrm>
-            <a:off x="650555" y="4236324"/>
-            <a:ext cx="755651" cy="533401"/>
-          </a:xfrm>
-          <a:prstGeom prst="rect">
-            <a:avLst/>
-          </a:prstGeom>
-          <a:noFill/>
-          <a:extLst>
-            <a:ext uri="{909E8E84-426E-40DD-AFC4-6F175D3DCCD1}">
-              <a14:hiddenFill xmlns:a14="http://schemas.microsoft.com/office/drawing/2010/main">
-                <a:solidFill>
-                  <a:srgbClr val="FFFFFF"/>
-                </a:solidFill>
-              </a14:hiddenFill>
-            </a:ext>
-          </a:extLst>
-        </p:spPr>
-      </p:pic>
-      <p:pic>
-        <p:nvPicPr>
-          <p:cNvPr id="14" name="Picture 6" descr="http://psiint.com/wp-content/uploads/2017/03/linkedin-logo-copy.png">
-            <a:extLst>
-              <a:ext uri="{FF2B5EF4-FFF2-40B4-BE49-F238E27FC236}">
-                <a16:creationId xmlns:a16="http://schemas.microsoft.com/office/drawing/2014/main" id="{D2BF49BF-CF39-4108-B316-4C1ECD2B1049}"/>
-              </a:ext>
-            </a:extLst>
-          </p:cNvPr>
-          <p:cNvPicPr>
-            <a:picLocks noChangeAspect="1" noChangeArrowheads="1"/>
-          </p:cNvPicPr>
-          <p:nvPr/>
-        </p:nvPicPr>
-        <p:blipFill>
-          <a:blip r:embed="rId4" cstate="print">
-            <a:extLst>
-              <a:ext uri="{28A0092B-C50C-407E-A947-70E740481C1C}">
-                <a14:useLocalDpi xmlns:a14="http://schemas.microsoft.com/office/drawing/2010/main" val="0"/>
-              </a:ext>
-            </a:extLst>
-          </a:blip>
-          <a:srcRect/>
-          <a:stretch>
-            <a:fillRect/>
-          </a:stretch>
-        </p:blipFill>
-        <p:spPr bwMode="auto">
-          <a:xfrm>
-            <a:off x="723580" y="5034984"/>
-            <a:ext cx="609600" cy="609600"/>
-          </a:xfrm>
-          <a:prstGeom prst="rect">
-            <a:avLst/>
-          </a:prstGeom>
-          <a:noFill/>
-          <a:extLst>
-            <a:ext uri="{909E8E84-426E-40DD-AFC4-6F175D3DCCD1}">
-              <a14:hiddenFill xmlns:a14="http://schemas.microsoft.com/office/drawing/2010/main">
-                <a:solidFill>
-                  <a:srgbClr val="FFFFFF"/>
-                </a:solidFill>
-              </a14:hiddenFill>
-            </a:ext>
-          </a:extLst>
-        </p:spPr>
-      </p:pic>
-      <p:pic>
-        <p:nvPicPr>
-          <p:cNvPr id="15" name="Picture 8" descr="https://secure.meetupstatic.com/s/img/786824251364989575000/logo/swarm/m_swarm_630x630.png">
-            <a:extLst>
-              <a:ext uri="{FF2B5EF4-FFF2-40B4-BE49-F238E27FC236}">
-                <a16:creationId xmlns:a16="http://schemas.microsoft.com/office/drawing/2014/main" id="{45C0943F-E642-4029-9E80-7FB8EBAD07BA}"/>
+                <a16:creationId xmlns:a16="http://schemas.microsoft.com/office/drawing/2014/main" id="{E6D40988-CD2B-44D0-9FD6-8A5E418E3CA6}"/>
               </a:ext>
             </a:extLst>
           </p:cNvPr>
@@ -7768,8 +7447,8 @@
         </p:blipFill>
         <p:spPr bwMode="auto">
           <a:xfrm>
-            <a:off x="687067" y="5854029"/>
-            <a:ext cx="682626" cy="682626"/>
+            <a:off x="3938012" y="3953213"/>
+            <a:ext cx="653448" cy="461258"/>
           </a:xfrm>
           <a:prstGeom prst="rect">
             <a:avLst/>
@@ -7786,10 +7465,133 @@
           </a:extLst>
         </p:spPr>
       </p:pic>
+      <p:sp>
+        <p:nvSpPr>
+          <p:cNvPr id="34" name="Rectangle 33">
+            <a:extLst>
+              <a:ext uri="{FF2B5EF4-FFF2-40B4-BE49-F238E27FC236}">
+                <a16:creationId xmlns:a16="http://schemas.microsoft.com/office/drawing/2014/main" id="{7297B85C-1631-4D1A-A704-F8EDE1B91465}"/>
+              </a:ext>
+            </a:extLst>
+          </p:cNvPr>
+          <p:cNvSpPr/>
+          <p:nvPr/>
+        </p:nvSpPr>
+        <p:spPr>
+          <a:xfrm>
+            <a:off x="4534964" y="3903271"/>
+            <a:ext cx="4147697" cy="584775"/>
+          </a:xfrm>
+          <a:prstGeom prst="rect">
+            <a:avLst/>
+          </a:prstGeom>
+        </p:spPr>
+        <p:txBody>
+          <a:bodyPr wrap="square">
+            <a:spAutoFit/>
+          </a:bodyPr>
+          <a:lstStyle/>
+          <a:p>
+            <a:pPr marL="228600" lvl="1" defTabSz="457200">
+              <a:defRPr/>
+            </a:pPr>
+            <a:r>
+              <a:rPr lang="en-GB" sz="3200" b="1" dirty="0">
+                <a:solidFill>
+                  <a:srgbClr val="28A9E0"/>
+                </a:solidFill>
+                <a:latin typeface="Montserrat" panose="02000505000000020004" pitchFamily="2" charset="0"/>
+              </a:rPr>
+              <a:t>@scotpsug</a:t>
+            </a:r>
+          </a:p>
+        </p:txBody>
+      </p:sp>
+      <p:sp>
+        <p:nvSpPr>
+          <p:cNvPr id="35" name="Rectangle 34">
+            <a:extLst>
+              <a:ext uri="{FF2B5EF4-FFF2-40B4-BE49-F238E27FC236}">
+                <a16:creationId xmlns:a16="http://schemas.microsoft.com/office/drawing/2014/main" id="{216773F5-042E-4110-A463-86043E4F3EA3}"/>
+              </a:ext>
+            </a:extLst>
+          </p:cNvPr>
+          <p:cNvSpPr/>
+          <p:nvPr/>
+        </p:nvSpPr>
+        <p:spPr>
+          <a:xfrm>
+            <a:off x="4508203" y="4900207"/>
+            <a:ext cx="6365845" cy="646331"/>
+          </a:xfrm>
+          <a:prstGeom prst="rect">
+            <a:avLst/>
+          </a:prstGeom>
+        </p:spPr>
+        <p:txBody>
+          <a:bodyPr wrap="none">
+            <a:spAutoFit/>
+          </a:bodyPr>
+          <a:lstStyle/>
+          <a:p>
+            <a:pPr marL="228600" lvl="1" defTabSz="457200">
+              <a:defRPr/>
+            </a:pPr>
+            <a:r>
+              <a:rPr lang="en-GB" sz="3600" b="1" dirty="0" err="1">
+                <a:solidFill>
+                  <a:srgbClr val="C00000"/>
+                </a:solidFill>
+                <a:latin typeface="Montserrat" panose="02000505000000020004" pitchFamily="2" charset="0"/>
+              </a:rPr>
+              <a:t>meetup.psdevopsug.scot</a:t>
+            </a:r>
+            <a:endParaRPr lang="en-GB" sz="3600" b="1" dirty="0">
+              <a:solidFill>
+                <a:srgbClr val="C00000"/>
+              </a:solidFill>
+              <a:latin typeface="Montserrat" panose="02000505000000020004" pitchFamily="2" charset="0"/>
+            </a:endParaRPr>
+          </a:p>
+        </p:txBody>
+      </p:sp>
+      <p:pic>
+        <p:nvPicPr>
+          <p:cNvPr id="36" name="Picture 35">
+            <a:extLst>
+              <a:ext uri="{FF2B5EF4-FFF2-40B4-BE49-F238E27FC236}">
+                <a16:creationId xmlns:a16="http://schemas.microsoft.com/office/drawing/2014/main" id="{BA6D9216-1997-4621-AF9E-BA134685CBF7}"/>
+              </a:ext>
+            </a:extLst>
+          </p:cNvPr>
+          <p:cNvPicPr>
+            <a:picLocks noChangeAspect="1"/>
+          </p:cNvPicPr>
+          <p:nvPr/>
+        </p:nvPicPr>
+        <p:blipFill>
+          <a:blip r:embed="rId6"/>
+          <a:stretch>
+            <a:fillRect/>
+          </a:stretch>
+        </p:blipFill>
+        <p:spPr>
+          <a:xfrm>
+            <a:off x="3845000" y="4908845"/>
+            <a:ext cx="689964" cy="661659"/>
+          </a:xfrm>
+          <a:prstGeom prst="rect">
+            <a:avLst/>
+          </a:prstGeom>
+          <a:solidFill>
+            <a:srgbClr val="C00000"/>
+          </a:solidFill>
+        </p:spPr>
+      </p:pic>
     </p:spTree>
     <p:extLst>
       <p:ext uri="{BB962C8B-B14F-4D97-AF65-F5344CB8AC3E}">
-        <p14:creationId xmlns:p14="http://schemas.microsoft.com/office/powerpoint/2010/main" val="1338002387"/>
+        <p14:creationId xmlns:p14="http://schemas.microsoft.com/office/powerpoint/2010/main" val="2315931135"/>
       </p:ext>
     </p:extLst>
   </p:cSld>
@@ -7816,12 +7618,60 @@
           <a:chExt cx="0" cy="0"/>
         </a:xfrm>
       </p:grpSpPr>
+      <p:sp>
+        <p:nvSpPr>
+          <p:cNvPr id="16" name="Isosceles Triangle 15">
+            <a:extLst>
+              <a:ext uri="{FF2B5EF4-FFF2-40B4-BE49-F238E27FC236}">
+                <a16:creationId xmlns:a16="http://schemas.microsoft.com/office/drawing/2014/main" id="{E1A06653-2A9B-4DCF-B4AE-88C7E39B8780}"/>
+              </a:ext>
+            </a:extLst>
+          </p:cNvPr>
+          <p:cNvSpPr/>
+          <p:nvPr/>
+        </p:nvSpPr>
+        <p:spPr>
+          <a:xfrm rot="16200000">
+            <a:off x="6174037" y="596196"/>
+            <a:ext cx="6285368" cy="5750558"/>
+          </a:xfrm>
+          <a:prstGeom prst="triangle">
+            <a:avLst>
+              <a:gd name="adj" fmla="val 49756"/>
+            </a:avLst>
+          </a:prstGeom>
+        </p:spPr>
+        <p:style>
+          <a:lnRef idx="2">
+            <a:schemeClr val="accent1">
+              <a:shade val="50000"/>
+            </a:schemeClr>
+          </a:lnRef>
+          <a:fillRef idx="1">
+            <a:schemeClr val="accent1"/>
+          </a:fillRef>
+          <a:effectRef idx="0">
+            <a:schemeClr val="accent1"/>
+          </a:effectRef>
+          <a:fontRef idx="minor">
+            <a:schemeClr val="lt1"/>
+          </a:fontRef>
+        </p:style>
+        <p:txBody>
+          <a:bodyPr rtlCol="0" anchor="ctr"/>
+          <a:lstStyle/>
+          <a:p>
+            <a:pPr algn="ctr"/>
+            <a:endParaRPr lang="en-GB"/>
+          </a:p>
+        </p:txBody>
+      </p:sp>
       <p:pic>
         <p:nvPicPr>
-          <p:cNvPr id="4" name="Picture 3">
+          <p:cNvPr id="5" name="Picture 4">
             <a:extLst>
               <a:ext uri="{FF2B5EF4-FFF2-40B4-BE49-F238E27FC236}">
-                <a16:creationId xmlns:a16="http://schemas.microsoft.com/office/drawing/2014/main" id="{46A79492-334F-40B8-8AE3-F4737B57C7A6}"/>
+                <a16:creationId xmlns:a16="http://schemas.microsoft.com/office/drawing/2014/main" id="{DDCB28E0-31DE-4051-A7E6-6CCC43A4BE6C}"/>
               </a:ext>
             </a:extLst>
           </p:cNvPr>
@@ -7830,7 +7680,7 @@
           </p:cNvPicPr>
           <p:nvPr/>
         </p:nvPicPr>
-        <p:blipFill rotWithShape="1">
+        <p:blipFill>
           <a:blip r:embed="rId2">
             <a:extLst>
               <a:ext uri="{28A0092B-C50C-407E-A947-70E740481C1C}">
@@ -7838,13 +7688,14 @@
               </a:ext>
             </a:extLst>
           </a:blip>
-          <a:srcRect t="39667" b="21778"/>
-          <a:stretch/>
+          <a:stretch>
+            <a:fillRect/>
+          </a:stretch>
         </p:blipFill>
         <p:spPr>
           <a:xfrm>
-            <a:off x="-1470676" y="35227"/>
-            <a:ext cx="12509516" cy="6822773"/>
+            <a:off x="99834" y="-556663"/>
+            <a:ext cx="7864491" cy="4319844"/>
           </a:xfrm>
           <a:prstGeom prst="rect">
             <a:avLst/>
@@ -7853,10 +7704,10 @@
       </p:pic>
       <p:sp>
         <p:nvSpPr>
-          <p:cNvPr id="5" name="TextBox 4">
+          <p:cNvPr id="11" name="TextBox 10">
             <a:extLst>
               <a:ext uri="{FF2B5EF4-FFF2-40B4-BE49-F238E27FC236}">
-                <a16:creationId xmlns:a16="http://schemas.microsoft.com/office/drawing/2014/main" id="{BAEE3661-C9DE-4ADC-8983-F41FA47F97CB}"/>
+                <a16:creationId xmlns:a16="http://schemas.microsoft.com/office/drawing/2014/main" id="{12971F69-048D-436C-8C4B-94541A57B5A1}"/>
               </a:ext>
             </a:extLst>
           </p:cNvPr>
@@ -7865,8 +7716,8 @@
         </p:nvSpPr>
         <p:spPr>
           <a:xfrm>
-            <a:off x="8472986" y="3446613"/>
-            <a:ext cx="3546164" cy="2185214"/>
+            <a:off x="7501273" y="1875412"/>
+            <a:ext cx="4482317" cy="3539430"/>
           </a:xfrm>
           <a:prstGeom prst="rect">
             <a:avLst/>
@@ -7881,51 +7732,379 @@
           <a:p>
             <a:pPr algn="r"/>
             <a:r>
-              <a:rPr lang="en-GB" sz="4000" dirty="0">
-                <a:solidFill>
-                  <a:srgbClr val="93C560"/>
+              <a:rPr lang="en-GB" sz="3200" dirty="0">
+                <a:solidFill>
+                  <a:schemeClr val="bg1"/>
                 </a:solidFill>
                 <a:latin typeface="Open Sans" panose="020B0806030504020204" pitchFamily="34" charset="0"/>
                 <a:ea typeface="Open Sans" panose="020B0806030504020204" pitchFamily="34" charset="0"/>
                 <a:cs typeface="Open Sans" panose="020B0806030504020204" pitchFamily="34" charset="0"/>
               </a:rPr>
-              <a:t>Coming</a:t>
+              <a:t>SQL Server</a:t>
             </a:r>
           </a:p>
           <a:p>
             <a:pPr algn="r"/>
             <a:r>
-              <a:rPr lang="en-GB" sz="4800" dirty="0">
-                <a:solidFill>
-                  <a:srgbClr val="006BC0"/>
+              <a:rPr lang="en-GB" sz="3200" dirty="0">
+                <a:solidFill>
+                  <a:schemeClr val="bg1"/>
                 </a:solidFill>
                 <a:latin typeface="Open Sans" panose="020B0806030504020204" pitchFamily="34" charset="0"/>
                 <a:ea typeface="Open Sans" panose="020B0806030504020204" pitchFamily="34" charset="0"/>
                 <a:cs typeface="Open Sans" panose="020B0806030504020204" pitchFamily="34" charset="0"/>
               </a:rPr>
-              <a:t>September</a:t>
+              <a:t>Power BI</a:t>
             </a:r>
           </a:p>
           <a:p>
             <a:pPr algn="r"/>
             <a:r>
-              <a:rPr lang="en-GB" sz="4800" dirty="0">
-                <a:solidFill>
-                  <a:srgbClr val="006BC0"/>
+              <a:rPr lang="en-GB" sz="3200" dirty="0">
+                <a:solidFill>
+                  <a:schemeClr val="bg1"/>
                 </a:solidFill>
                 <a:latin typeface="Open Sans" panose="020B0806030504020204" pitchFamily="34" charset="0"/>
                 <a:ea typeface="Open Sans" panose="020B0806030504020204" pitchFamily="34" charset="0"/>
                 <a:cs typeface="Open Sans" panose="020B0806030504020204" pitchFamily="34" charset="0"/>
               </a:rPr>
-              <a:t>2019</a:t>
-            </a:r>
-          </a:p>
-        </p:txBody>
-      </p:sp>
+              <a:t>Data Analytics</a:t>
+            </a:r>
+          </a:p>
+          <a:p>
+            <a:pPr algn="r"/>
+            <a:r>
+              <a:rPr lang="en-GB" sz="3200" dirty="0">
+                <a:solidFill>
+                  <a:schemeClr val="bg1"/>
+                </a:solidFill>
+                <a:latin typeface="Open Sans" panose="020B0806030504020204" pitchFamily="34" charset="0"/>
+                <a:ea typeface="Open Sans" panose="020B0806030504020204" pitchFamily="34" charset="0"/>
+                <a:cs typeface="Open Sans" panose="020B0806030504020204" pitchFamily="34" charset="0"/>
+              </a:rPr>
+              <a:t>Business Intelligence</a:t>
+            </a:r>
+          </a:p>
+          <a:p>
+            <a:pPr algn="r"/>
+            <a:r>
+              <a:rPr lang="en-GB" sz="3200" dirty="0">
+                <a:solidFill>
+                  <a:schemeClr val="bg1"/>
+                </a:solidFill>
+                <a:latin typeface="Open Sans" panose="020B0806030504020204" pitchFamily="34" charset="0"/>
+                <a:ea typeface="Open Sans" panose="020B0806030504020204" pitchFamily="34" charset="0"/>
+                <a:cs typeface="Open Sans" panose="020B0806030504020204" pitchFamily="34" charset="0"/>
+              </a:rPr>
+              <a:t>Data Warehousing</a:t>
+            </a:r>
+          </a:p>
+          <a:p>
+            <a:pPr algn="r"/>
+            <a:r>
+              <a:rPr lang="en-GB" sz="3200" dirty="0">
+                <a:solidFill>
+                  <a:schemeClr val="bg1"/>
+                </a:solidFill>
+                <a:latin typeface="Open Sans" panose="020B0806030504020204" pitchFamily="34" charset="0"/>
+                <a:ea typeface="Open Sans" panose="020B0806030504020204" pitchFamily="34" charset="0"/>
+                <a:cs typeface="Open Sans" panose="020B0806030504020204" pitchFamily="34" charset="0"/>
+              </a:rPr>
+              <a:t>PowerShell</a:t>
+            </a:r>
+          </a:p>
+          <a:p>
+            <a:pPr algn="r"/>
+            <a:r>
+              <a:rPr lang="en-GB" sz="3200" dirty="0">
+                <a:solidFill>
+                  <a:schemeClr val="bg1"/>
+                </a:solidFill>
+                <a:latin typeface="Open Sans" panose="020B0806030504020204" pitchFamily="34" charset="0"/>
+                <a:ea typeface="Open Sans" panose="020B0806030504020204" pitchFamily="34" charset="0"/>
+                <a:cs typeface="Open Sans" panose="020B0806030504020204" pitchFamily="34" charset="0"/>
+              </a:rPr>
+              <a:t>Azure</a:t>
+            </a:r>
+          </a:p>
+        </p:txBody>
+      </p:sp>
+      <p:sp>
+        <p:nvSpPr>
+          <p:cNvPr id="12" name="TextBox 11">
+            <a:extLst>
+              <a:ext uri="{FF2B5EF4-FFF2-40B4-BE49-F238E27FC236}">
+                <a16:creationId xmlns:a16="http://schemas.microsoft.com/office/drawing/2014/main" id="{8A8BAEBC-D680-41A9-8740-055BD9DD38B1}"/>
+              </a:ext>
+            </a:extLst>
+          </p:cNvPr>
+          <p:cNvSpPr txBox="1"/>
+          <p:nvPr/>
+        </p:nvSpPr>
+        <p:spPr>
+          <a:xfrm>
+            <a:off x="1671320" y="4216400"/>
+            <a:ext cx="6077253" cy="2246769"/>
+          </a:xfrm>
+          <a:prstGeom prst="rect">
+            <a:avLst/>
+          </a:prstGeom>
+          <a:noFill/>
+        </p:spPr>
+        <p:txBody>
+          <a:bodyPr wrap="square" rtlCol="0">
+            <a:spAutoFit/>
+          </a:bodyPr>
+          <a:lstStyle/>
+          <a:p>
+            <a:r>
+              <a:rPr lang="en-GB" sz="2800" dirty="0">
+                <a:solidFill>
+                  <a:srgbClr val="0070C0"/>
+                </a:solidFill>
+                <a:latin typeface="Roboto Light" panose="02000000000000000000" pitchFamily="2" charset="0"/>
+                <a:ea typeface="Roboto Light" panose="02000000000000000000" pitchFamily="2" charset="0"/>
+              </a:rPr>
+              <a:t>@</a:t>
+            </a:r>
+            <a:r>
+              <a:rPr lang="en-GB" sz="2800" dirty="0" err="1">
+                <a:solidFill>
+                  <a:srgbClr val="0070C0"/>
+                </a:solidFill>
+                <a:latin typeface="Roboto Light" panose="02000000000000000000" pitchFamily="2" charset="0"/>
+                <a:ea typeface="Roboto Light" panose="02000000000000000000" pitchFamily="2" charset="0"/>
+              </a:rPr>
+              <a:t>SqlGlasgow</a:t>
+            </a:r>
+            <a:endParaRPr lang="en-GB" sz="2800" dirty="0">
+              <a:solidFill>
+                <a:srgbClr val="0070C0"/>
+              </a:solidFill>
+              <a:latin typeface="Roboto Light" panose="02000000000000000000" pitchFamily="2" charset="0"/>
+              <a:ea typeface="Roboto Light" panose="02000000000000000000" pitchFamily="2" charset="0"/>
+            </a:endParaRPr>
+          </a:p>
+          <a:p>
+            <a:endParaRPr lang="en-GB" sz="2800" dirty="0">
+              <a:solidFill>
+                <a:srgbClr val="0070C0"/>
+              </a:solidFill>
+              <a:latin typeface="Roboto Light" panose="02000000000000000000" pitchFamily="2" charset="0"/>
+              <a:ea typeface="Roboto Light" panose="02000000000000000000" pitchFamily="2" charset="0"/>
+            </a:endParaRPr>
+          </a:p>
+          <a:p>
+            <a:r>
+              <a:rPr lang="en-GB" sz="2800" dirty="0">
+                <a:solidFill>
+                  <a:srgbClr val="0070C0"/>
+                </a:solidFill>
+                <a:latin typeface="Roboto Light" panose="02000000000000000000" pitchFamily="2" charset="0"/>
+                <a:ea typeface="Roboto Light" panose="02000000000000000000" pitchFamily="2" charset="0"/>
+              </a:rPr>
+              <a:t>Bit.ly/</a:t>
+            </a:r>
+            <a:r>
+              <a:rPr lang="en-GB" sz="2800" dirty="0" err="1">
+                <a:solidFill>
+                  <a:srgbClr val="0070C0"/>
+                </a:solidFill>
+                <a:latin typeface="Roboto Light" panose="02000000000000000000" pitchFamily="2" charset="0"/>
+                <a:ea typeface="Roboto Light" panose="02000000000000000000" pitchFamily="2" charset="0"/>
+              </a:rPr>
+              <a:t>sqlglasgowlinkedin</a:t>
+            </a:r>
+            <a:endParaRPr lang="en-GB" sz="2800" dirty="0">
+              <a:solidFill>
+                <a:srgbClr val="0070C0"/>
+              </a:solidFill>
+              <a:latin typeface="Roboto Light" panose="02000000000000000000" pitchFamily="2" charset="0"/>
+              <a:ea typeface="Roboto Light" panose="02000000000000000000" pitchFamily="2" charset="0"/>
+            </a:endParaRPr>
+          </a:p>
+          <a:p>
+            <a:endParaRPr lang="en-GB" sz="2800" dirty="0">
+              <a:latin typeface="Roboto Light" panose="02000000000000000000" pitchFamily="2" charset="0"/>
+              <a:ea typeface="Roboto Light" panose="02000000000000000000" pitchFamily="2" charset="0"/>
+            </a:endParaRPr>
+          </a:p>
+          <a:p>
+            <a:r>
+              <a:rPr lang="en-GB" sz="2800" dirty="0">
+                <a:solidFill>
+                  <a:srgbClr val="0070C0"/>
+                </a:solidFill>
+                <a:latin typeface="Roboto Light" panose="02000000000000000000" pitchFamily="2" charset="0"/>
+                <a:ea typeface="Roboto Light" panose="02000000000000000000" pitchFamily="2" charset="0"/>
+              </a:rPr>
+              <a:t>Bit.ly/</a:t>
+            </a:r>
+            <a:r>
+              <a:rPr lang="en-GB" sz="2800" dirty="0" err="1">
+                <a:solidFill>
+                  <a:srgbClr val="0070C0"/>
+                </a:solidFill>
+                <a:latin typeface="Roboto Light" panose="02000000000000000000" pitchFamily="2" charset="0"/>
+                <a:ea typeface="Roboto Light" panose="02000000000000000000" pitchFamily="2" charset="0"/>
+              </a:rPr>
+              <a:t>sqlglasgow</a:t>
+            </a:r>
+            <a:endParaRPr lang="en-GB" sz="2800" dirty="0">
+              <a:solidFill>
+                <a:srgbClr val="0070C0"/>
+              </a:solidFill>
+              <a:latin typeface="Roboto Light" panose="02000000000000000000" pitchFamily="2" charset="0"/>
+              <a:ea typeface="Roboto Light" panose="02000000000000000000" pitchFamily="2" charset="0"/>
+            </a:endParaRPr>
+          </a:p>
+        </p:txBody>
+      </p:sp>
+      <p:pic>
+        <p:nvPicPr>
+          <p:cNvPr id="13" name="Picture 4" descr="https://designshack.net/wp-content/uploads/larrybird-2.jpg">
+            <a:extLst>
+              <a:ext uri="{FF2B5EF4-FFF2-40B4-BE49-F238E27FC236}">
+                <a16:creationId xmlns:a16="http://schemas.microsoft.com/office/drawing/2014/main" id="{78D853B7-7751-4227-A3B8-DC0BB4346B10}"/>
+              </a:ext>
+            </a:extLst>
+          </p:cNvPr>
+          <p:cNvPicPr>
+            <a:picLocks noChangeAspect="1" noChangeArrowheads="1"/>
+          </p:cNvPicPr>
+          <p:nvPr/>
+        </p:nvPicPr>
+        <p:blipFill>
+          <a:blip r:embed="rId3" cstate="print">
+            <a:extLst>
+              <a:ext uri="{28A0092B-C50C-407E-A947-70E740481C1C}">
+                <a14:useLocalDpi xmlns:a14="http://schemas.microsoft.com/office/drawing/2010/main" val="0"/>
+              </a:ext>
+            </a:extLst>
+          </a:blip>
+          <a:srcRect/>
+          <a:stretch>
+            <a:fillRect/>
+          </a:stretch>
+        </p:blipFill>
+        <p:spPr bwMode="auto">
+          <a:xfrm>
+            <a:off x="650555" y="4236324"/>
+            <a:ext cx="755651" cy="533401"/>
+          </a:xfrm>
+          <a:prstGeom prst="rect">
+            <a:avLst/>
+          </a:prstGeom>
+          <a:noFill/>
+          <a:extLst>
+            <a:ext uri="{909E8E84-426E-40DD-AFC4-6F175D3DCCD1}">
+              <a14:hiddenFill xmlns:a14="http://schemas.microsoft.com/office/drawing/2010/main">
+                <a:solidFill>
+                  <a:srgbClr val="FFFFFF"/>
+                </a:solidFill>
+              </a14:hiddenFill>
+            </a:ext>
+          </a:extLst>
+        </p:spPr>
+      </p:pic>
+      <p:pic>
+        <p:nvPicPr>
+          <p:cNvPr id="14" name="Picture 6" descr="http://psiint.com/wp-content/uploads/2017/03/linkedin-logo-copy.png">
+            <a:extLst>
+              <a:ext uri="{FF2B5EF4-FFF2-40B4-BE49-F238E27FC236}">
+                <a16:creationId xmlns:a16="http://schemas.microsoft.com/office/drawing/2014/main" id="{D2BF49BF-CF39-4108-B316-4C1ECD2B1049}"/>
+              </a:ext>
+            </a:extLst>
+          </p:cNvPr>
+          <p:cNvPicPr>
+            <a:picLocks noChangeAspect="1" noChangeArrowheads="1"/>
+          </p:cNvPicPr>
+          <p:nvPr/>
+        </p:nvPicPr>
+        <p:blipFill>
+          <a:blip r:embed="rId4" cstate="print">
+            <a:extLst>
+              <a:ext uri="{28A0092B-C50C-407E-A947-70E740481C1C}">
+                <a14:useLocalDpi xmlns:a14="http://schemas.microsoft.com/office/drawing/2010/main" val="0"/>
+              </a:ext>
+            </a:extLst>
+          </a:blip>
+          <a:srcRect/>
+          <a:stretch>
+            <a:fillRect/>
+          </a:stretch>
+        </p:blipFill>
+        <p:spPr bwMode="auto">
+          <a:xfrm>
+            <a:off x="723580" y="5034984"/>
+            <a:ext cx="609600" cy="609600"/>
+          </a:xfrm>
+          <a:prstGeom prst="rect">
+            <a:avLst/>
+          </a:prstGeom>
+          <a:noFill/>
+          <a:extLst>
+            <a:ext uri="{909E8E84-426E-40DD-AFC4-6F175D3DCCD1}">
+              <a14:hiddenFill xmlns:a14="http://schemas.microsoft.com/office/drawing/2010/main">
+                <a:solidFill>
+                  <a:srgbClr val="FFFFFF"/>
+                </a:solidFill>
+              </a14:hiddenFill>
+            </a:ext>
+          </a:extLst>
+        </p:spPr>
+      </p:pic>
+      <p:pic>
+        <p:nvPicPr>
+          <p:cNvPr id="15" name="Picture 8" descr="https://secure.meetupstatic.com/s/img/786824251364989575000/logo/swarm/m_swarm_630x630.png">
+            <a:extLst>
+              <a:ext uri="{FF2B5EF4-FFF2-40B4-BE49-F238E27FC236}">
+                <a16:creationId xmlns:a16="http://schemas.microsoft.com/office/drawing/2014/main" id="{45C0943F-E642-4029-9E80-7FB8EBAD07BA}"/>
+              </a:ext>
+            </a:extLst>
+          </p:cNvPr>
+          <p:cNvPicPr>
+            <a:picLocks noChangeAspect="1" noChangeArrowheads="1"/>
+          </p:cNvPicPr>
+          <p:nvPr/>
+        </p:nvPicPr>
+        <p:blipFill>
+          <a:blip r:embed="rId5" cstate="print">
+            <a:extLst>
+              <a:ext uri="{28A0092B-C50C-407E-A947-70E740481C1C}">
+                <a14:useLocalDpi xmlns:a14="http://schemas.microsoft.com/office/drawing/2010/main" val="0"/>
+              </a:ext>
+            </a:extLst>
+          </a:blip>
+          <a:srcRect/>
+          <a:stretch>
+            <a:fillRect/>
+          </a:stretch>
+        </p:blipFill>
+        <p:spPr bwMode="auto">
+          <a:xfrm>
+            <a:off x="687067" y="5854029"/>
+            <a:ext cx="682626" cy="682626"/>
+          </a:xfrm>
+          <a:prstGeom prst="rect">
+            <a:avLst/>
+          </a:prstGeom>
+          <a:noFill/>
+          <a:extLst>
+            <a:ext uri="{909E8E84-426E-40DD-AFC4-6F175D3DCCD1}">
+              <a14:hiddenFill xmlns:a14="http://schemas.microsoft.com/office/drawing/2010/main">
+                <a:solidFill>
+                  <a:srgbClr val="FFFFFF"/>
+                </a:solidFill>
+              </a14:hiddenFill>
+            </a:ext>
+          </a:extLst>
+        </p:spPr>
+      </p:pic>
     </p:spTree>
     <p:extLst>
       <p:ext uri="{BB962C8B-B14F-4D97-AF65-F5344CB8AC3E}">
-        <p14:creationId xmlns:p14="http://schemas.microsoft.com/office/powerpoint/2010/main" val="1701547676"/>
+        <p14:creationId xmlns:p14="http://schemas.microsoft.com/office/powerpoint/2010/main" val="1338002387"/>
       </p:ext>
     </p:extLst>
   </p:cSld>
@@ -7938,14 +8117,6 @@
 <file path=ppt/slides/slide9.xml><?xml version="1.0" encoding="utf-8"?>
 <p:sld xmlns:a="http://schemas.openxmlformats.org/drawingml/2006/main" xmlns:r="http://schemas.openxmlformats.org/officeDocument/2006/relationships" xmlns:p="http://schemas.openxmlformats.org/presentationml/2006/main">
   <p:cSld>
-    <p:bg>
-      <p:bgPr>
-        <a:solidFill>
-          <a:srgbClr val="A63636"/>
-        </a:solidFill>
-        <a:effectLst/>
-      </p:bgPr>
-    </p:bg>
     <p:spTree>
       <p:nvGrpSpPr>
         <p:cNvPr id="1" name=""/>
@@ -7960,77 +8131,12 @@
           <a:chExt cx="0" cy="0"/>
         </a:xfrm>
       </p:grpSpPr>
-      <p:sp>
-        <p:nvSpPr>
-          <p:cNvPr id="2" name="TextBox 1">
-            <a:extLst>
-              <a:ext uri="{FF2B5EF4-FFF2-40B4-BE49-F238E27FC236}">
-                <a16:creationId xmlns:a16="http://schemas.microsoft.com/office/drawing/2014/main" id="{6BD59475-CD66-4751-83EF-FEC02A44E31A}"/>
-              </a:ext>
-            </a:extLst>
-          </p:cNvPr>
-          <p:cNvSpPr txBox="1"/>
-          <p:nvPr/>
-        </p:nvSpPr>
-        <p:spPr>
-          <a:xfrm>
-            <a:off x="360727" y="2190161"/>
-            <a:ext cx="5100505" cy="720197"/>
-          </a:xfrm>
-          <a:prstGeom prst="rect">
-            <a:avLst/>
-          </a:prstGeom>
-          <a:noFill/>
-        </p:spPr>
-        <p:txBody>
-          <a:bodyPr wrap="square" rtlCol="0">
-            <a:spAutoFit/>
-          </a:bodyPr>
-          <a:lstStyle/>
-          <a:p>
-            <a:pPr marL="0" marR="0" lvl="0" indent="0" defTabSz="914400" rtl="0" eaLnBrk="1" fontAlgn="auto" latinLnBrk="0" hangingPunct="1">
-              <a:lnSpc>
-                <a:spcPct val="85000"/>
-              </a:lnSpc>
-              <a:spcBef>
-                <a:spcPts val="0"/>
-              </a:spcBef>
-              <a:spcAft>
-                <a:spcPts val="0"/>
-              </a:spcAft>
-              <a:buClrTx/>
-              <a:buSzTx/>
-              <a:buFontTx/>
-              <a:buNone/>
-              <a:tabLst/>
-              <a:defRPr/>
-            </a:pPr>
-            <a:r>
-              <a:rPr kumimoji="0" lang="en-US" sz="4800" b="1" i="0" u="none" strike="noStrike" kern="1200" cap="none" spc="-20" normalizeH="0" baseline="0" noProof="0" dirty="0">
-                <a:ln>
-                  <a:noFill/>
-                </a:ln>
-                <a:solidFill>
-                  <a:srgbClr val="FFFFFF"/>
-                </a:solidFill>
-                <a:effectLst/>
-                <a:uLnTx/>
-                <a:uFillTx/>
-                <a:latin typeface="Segoe UI"/>
-                <a:ea typeface="+mn-ea"/>
-                <a:cs typeface="+mn-cs"/>
-              </a:rPr>
-              <a:t>QUESTIONS?</a:t>
-            </a:r>
-          </a:p>
-        </p:txBody>
-      </p:sp>
       <p:pic>
         <p:nvPicPr>
-          <p:cNvPr id="7" name="Picture 6">
+          <p:cNvPr id="4" name="Picture 3">
             <a:extLst>
               <a:ext uri="{FF2B5EF4-FFF2-40B4-BE49-F238E27FC236}">
-                <a16:creationId xmlns:a16="http://schemas.microsoft.com/office/drawing/2014/main" id="{3B5E1C9A-F61D-442E-A92D-9BC7346A8839}"/>
+                <a16:creationId xmlns:a16="http://schemas.microsoft.com/office/drawing/2014/main" id="{46A79492-334F-40B8-8AE3-F4737B57C7A6}"/>
               </a:ext>
             </a:extLst>
           </p:cNvPr>
@@ -8039,16 +8145,21 @@
           </p:cNvPicPr>
           <p:nvPr/>
         </p:nvPicPr>
-        <p:blipFill>
-          <a:blip r:embed="rId3"/>
-          <a:stretch>
-            <a:fillRect/>
-          </a:stretch>
+        <p:blipFill rotWithShape="1">
+          <a:blip r:embed="rId2">
+            <a:extLst>
+              <a:ext uri="{28A0092B-C50C-407E-A947-70E740481C1C}">
+                <a14:useLocalDpi xmlns:a14="http://schemas.microsoft.com/office/drawing/2010/main" val="0"/>
+              </a:ext>
+            </a:extLst>
+          </a:blip>
+          <a:srcRect t="39667" b="21778"/>
+          <a:stretch/>
         </p:blipFill>
         <p:spPr>
           <a:xfrm>
-            <a:off x="0" y="0"/>
-            <a:ext cx="12192000" cy="4378303"/>
+            <a:off x="-1470676" y="35227"/>
+            <a:ext cx="12509516" cy="6822773"/>
           </a:xfrm>
           <a:prstGeom prst="rect">
             <a:avLst/>
@@ -8057,10 +8168,10 @@
       </p:pic>
       <p:sp>
         <p:nvSpPr>
-          <p:cNvPr id="3" name="TextBox 2">
+          <p:cNvPr id="5" name="TextBox 4">
             <a:extLst>
               <a:ext uri="{FF2B5EF4-FFF2-40B4-BE49-F238E27FC236}">
-                <a16:creationId xmlns:a16="http://schemas.microsoft.com/office/drawing/2014/main" id="{9898F32A-BF47-405A-8280-602393098AEB}"/>
+                <a16:creationId xmlns:a16="http://schemas.microsoft.com/office/drawing/2014/main" id="{BAEE3661-C9DE-4ADC-8983-F41FA47F97CB}"/>
               </a:ext>
             </a:extLst>
           </p:cNvPr>
@@ -8069,8 +8180,8 @@
         </p:nvSpPr>
         <p:spPr>
           <a:xfrm>
-            <a:off x="0" y="4766310"/>
-            <a:ext cx="12192000" cy="830997"/>
+            <a:off x="8472986" y="3446613"/>
+            <a:ext cx="3546164" cy="2185214"/>
           </a:xfrm>
           <a:prstGeom prst="rect">
             <a:avLst/>
@@ -8078,17 +8189,50 @@
           <a:noFill/>
         </p:spPr>
         <p:txBody>
-          <a:bodyPr wrap="square" rtlCol="0">
+          <a:bodyPr wrap="none" rtlCol="0">
             <a:spAutoFit/>
           </a:bodyPr>
           <a:lstStyle/>
           <a:p>
-            <a:pPr algn="ctr"/>
+            <a:pPr algn="r"/>
+            <a:r>
+              <a:rPr lang="en-GB" sz="4000" dirty="0">
+                <a:solidFill>
+                  <a:srgbClr val="93C560"/>
+                </a:solidFill>
+                <a:latin typeface="Open Sans" panose="020B0806030504020204" pitchFamily="34" charset="0"/>
+                <a:ea typeface="Open Sans" panose="020B0806030504020204" pitchFamily="34" charset="0"/>
+                <a:cs typeface="Open Sans" panose="020B0806030504020204" pitchFamily="34" charset="0"/>
+              </a:rPr>
+              <a:t>Coming</a:t>
+            </a:r>
+          </a:p>
+          <a:p>
+            <a:pPr algn="r"/>
             <a:r>
               <a:rPr lang="en-GB" sz="4800" dirty="0">
-                <a:latin typeface="Montserrat" panose="02000505000000020004" pitchFamily="2" charset="0"/>
+                <a:solidFill>
+                  <a:srgbClr val="006BC0"/>
+                </a:solidFill>
+                <a:latin typeface="Open Sans" panose="020B0806030504020204" pitchFamily="34" charset="0"/>
+                <a:ea typeface="Open Sans" panose="020B0806030504020204" pitchFamily="34" charset="0"/>
+                <a:cs typeface="Open Sans" panose="020B0806030504020204" pitchFamily="34" charset="0"/>
               </a:rPr>
-              <a:t>https://24pullrequests.com/</a:t>
+              <a:t>September</a:t>
+            </a:r>
+          </a:p>
+          <a:p>
+            <a:pPr algn="r"/>
+            <a:r>
+              <a:rPr lang="en-GB" sz="4800" dirty="0">
+                <a:solidFill>
+                  <a:srgbClr val="006BC0"/>
+                </a:solidFill>
+                <a:latin typeface="Open Sans" panose="020B0806030504020204" pitchFamily="34" charset="0"/>
+                <a:ea typeface="Open Sans" panose="020B0806030504020204" pitchFamily="34" charset="0"/>
+                <a:cs typeface="Open Sans" panose="020B0806030504020204" pitchFamily="34" charset="0"/>
+              </a:rPr>
+              <a:t>2019</a:t>
             </a:r>
           </a:p>
         </p:txBody>
@@ -8096,21 +8240,13 @@
     </p:spTree>
     <p:extLst>
       <p:ext uri="{BB962C8B-B14F-4D97-AF65-F5344CB8AC3E}">
-        <p14:creationId xmlns:p14="http://schemas.microsoft.com/office/powerpoint/2010/main" val="185113828"/>
+        <p14:creationId xmlns:p14="http://schemas.microsoft.com/office/powerpoint/2010/main" val="1701547676"/>
       </p:ext>
     </p:extLst>
   </p:cSld>
   <p:clrMapOvr>
     <a:masterClrMapping/>
   </p:clrMapOvr>
-  <mc:AlternateContent xmlns:mc="http://schemas.openxmlformats.org/markup-compatibility/2006" xmlns:p14="http://schemas.microsoft.com/office/powerpoint/2010/main">
-    <mc:Choice Requires="p14">
-      <p:transition p14:dur="0"/>
-    </mc:Choice>
-    <mc:Fallback xmlns="">
-      <p:transition/>
-    </mc:Fallback>
-  </mc:AlternateContent>
 </p:sld>
 </file>
 
